--- a/disentangled-representations/locatello2020weakly.pptx
+++ b/disentangled-representations/locatello2020weakly.pptx
@@ -129,7 +129,7 @@
           <p:cNvPr id="2" name="タイトル 1">
             <a:extLst>
               <a:ext uri="{FF2B5EF4-FFF2-40B4-BE49-F238E27FC236}">
-                <a16:creationId xmlns:a16="http://schemas.microsoft.com/office/drawing/2014/main" id="{FCB67CEE-4B09-AE41-8238-1FD770325956}"/>
+                <a16:creationId xmlns:a16="http://schemas.microsoft.com/office/drawing/2014/main" id="{12501CB3-6E84-EB42-AC81-033FCCD6007C}"/>
               </a:ext>
             </a:extLst>
           </p:cNvPr>
@@ -167,7 +167,7 @@
           <p:cNvPr id="3" name="字幕 2">
             <a:extLst>
               <a:ext uri="{FF2B5EF4-FFF2-40B4-BE49-F238E27FC236}">
-                <a16:creationId xmlns:a16="http://schemas.microsoft.com/office/drawing/2014/main" id="{79933082-D962-7A4D-9A7A-C9A643E507D2}"/>
+                <a16:creationId xmlns:a16="http://schemas.microsoft.com/office/drawing/2014/main" id="{1D56C181-586F-8543-A416-4E8086621F5F}"/>
               </a:ext>
             </a:extLst>
           </p:cNvPr>
@@ -238,7 +238,7 @@
           <p:cNvPr id="4" name="日付プレースホルダー 3">
             <a:extLst>
               <a:ext uri="{FF2B5EF4-FFF2-40B4-BE49-F238E27FC236}">
-                <a16:creationId xmlns:a16="http://schemas.microsoft.com/office/drawing/2014/main" id="{26D1A7F1-5ABD-584F-974D-1F22116C80F2}"/>
+                <a16:creationId xmlns:a16="http://schemas.microsoft.com/office/drawing/2014/main" id="{DE907EB5-CB99-884B-9488-8D818BC085D7}"/>
               </a:ext>
             </a:extLst>
           </p:cNvPr>
@@ -254,9 +254,9 @@
           <a:bodyPr/>
           <a:lstStyle/>
           <a:p>
-            <a:fld id="{3ACC58C5-FD3F-2A4A-A89E-E166D0679586}" type="datetimeFigureOut">
+            <a:fld id="{B7C87717-CDC6-C245-A3E9-F02926C7EF08}" type="datetimeFigureOut">
               <a:rPr kumimoji="1" lang="ja-DE" altLang="en-US" smtClean="0"/>
-              <a:t>2020/07/08</a:t>
+              <a:t>2020/07/20</a:t>
             </a:fld>
             <a:endParaRPr kumimoji="1" lang="ja-DE" altLang="en-US"/>
           </a:p>
@@ -267,7 +267,7 @@
           <p:cNvPr id="5" name="フッター プレースホルダー 4">
             <a:extLst>
               <a:ext uri="{FF2B5EF4-FFF2-40B4-BE49-F238E27FC236}">
-                <a16:creationId xmlns:a16="http://schemas.microsoft.com/office/drawing/2014/main" id="{81F5E4D4-6A9F-874C-A9A1-08B7EE40FFA3}"/>
+                <a16:creationId xmlns:a16="http://schemas.microsoft.com/office/drawing/2014/main" id="{4221F5CE-2D61-EA4E-8E18-4FD3807A511B}"/>
               </a:ext>
             </a:extLst>
           </p:cNvPr>
@@ -292,7 +292,7 @@
           <p:cNvPr id="6" name="スライド番号プレースホルダー 5">
             <a:extLst>
               <a:ext uri="{FF2B5EF4-FFF2-40B4-BE49-F238E27FC236}">
-                <a16:creationId xmlns:a16="http://schemas.microsoft.com/office/drawing/2014/main" id="{654E1EB7-01D1-E348-BFF7-E0F1307A04DD}"/>
+                <a16:creationId xmlns:a16="http://schemas.microsoft.com/office/drawing/2014/main" id="{F814E87E-B2A8-DB4D-B12D-D12101205C4D}"/>
               </a:ext>
             </a:extLst>
           </p:cNvPr>
@@ -308,7 +308,7 @@
           <a:bodyPr/>
           <a:lstStyle/>
           <a:p>
-            <a:fld id="{47E03E9F-2222-9547-ABF8-D34A57C7EB53}" type="slidenum">
+            <a:fld id="{C24D4FC6-C5FB-B340-A8ED-DC624239757F}" type="slidenum">
               <a:rPr kumimoji="1" lang="ja-DE" altLang="en-US" smtClean="0"/>
               <a:t>‹#›</a:t>
             </a:fld>
@@ -319,7 +319,7 @@
     </p:spTree>
     <p:extLst>
       <p:ext uri="{BB962C8B-B14F-4D97-AF65-F5344CB8AC3E}">
-        <p14:creationId xmlns:p14="http://schemas.microsoft.com/office/powerpoint/2010/main" val="1790693681"/>
+        <p14:creationId xmlns:p14="http://schemas.microsoft.com/office/powerpoint/2010/main" val="2561175652"/>
       </p:ext>
     </p:extLst>
   </p:cSld>
@@ -351,7 +351,7 @@
           <p:cNvPr id="2" name="タイトル 1">
             <a:extLst>
               <a:ext uri="{FF2B5EF4-FFF2-40B4-BE49-F238E27FC236}">
-                <a16:creationId xmlns:a16="http://schemas.microsoft.com/office/drawing/2014/main" id="{78737157-09FE-4243-BE6E-F7DE23B31EC2}"/>
+                <a16:creationId xmlns:a16="http://schemas.microsoft.com/office/drawing/2014/main" id="{372D95FA-F14F-624D-BB11-8D8AEE7D2A84}"/>
               </a:ext>
             </a:extLst>
           </p:cNvPr>
@@ -380,7 +380,7 @@
           <p:cNvPr id="3" name="縦書きテキスト プレースホルダー 2">
             <a:extLst>
               <a:ext uri="{FF2B5EF4-FFF2-40B4-BE49-F238E27FC236}">
-                <a16:creationId xmlns:a16="http://schemas.microsoft.com/office/drawing/2014/main" id="{DF06F22B-95E2-454B-84EA-D8D1724CF563}"/>
+                <a16:creationId xmlns:a16="http://schemas.microsoft.com/office/drawing/2014/main" id="{12F418D3-BB69-9C44-AA44-45EDCD11C47E}"/>
               </a:ext>
             </a:extLst>
           </p:cNvPr>
@@ -470,7 +470,7 @@
           <p:cNvPr id="4" name="日付プレースホルダー 3">
             <a:extLst>
               <a:ext uri="{FF2B5EF4-FFF2-40B4-BE49-F238E27FC236}">
-                <a16:creationId xmlns:a16="http://schemas.microsoft.com/office/drawing/2014/main" id="{B1A24A20-83CE-7441-B2A9-A650E389FB3D}"/>
+                <a16:creationId xmlns:a16="http://schemas.microsoft.com/office/drawing/2014/main" id="{EE17B638-B674-3542-BDAF-F0AB3AFA013C}"/>
               </a:ext>
             </a:extLst>
           </p:cNvPr>
@@ -486,9 +486,9 @@
           <a:bodyPr/>
           <a:lstStyle/>
           <a:p>
-            <a:fld id="{3ACC58C5-FD3F-2A4A-A89E-E166D0679586}" type="datetimeFigureOut">
+            <a:fld id="{B7C87717-CDC6-C245-A3E9-F02926C7EF08}" type="datetimeFigureOut">
               <a:rPr kumimoji="1" lang="ja-DE" altLang="en-US" smtClean="0"/>
-              <a:t>2020/07/08</a:t>
+              <a:t>2020/07/20</a:t>
             </a:fld>
             <a:endParaRPr kumimoji="1" lang="ja-DE" altLang="en-US"/>
           </a:p>
@@ -499,7 +499,7 @@
           <p:cNvPr id="5" name="フッター プレースホルダー 4">
             <a:extLst>
               <a:ext uri="{FF2B5EF4-FFF2-40B4-BE49-F238E27FC236}">
-                <a16:creationId xmlns:a16="http://schemas.microsoft.com/office/drawing/2014/main" id="{83571610-7E07-B944-9F17-FED63D79C692}"/>
+                <a16:creationId xmlns:a16="http://schemas.microsoft.com/office/drawing/2014/main" id="{32407F6A-18FC-B64B-B5EE-78241ACFB4FD}"/>
               </a:ext>
             </a:extLst>
           </p:cNvPr>
@@ -524,7 +524,7 @@
           <p:cNvPr id="6" name="スライド番号プレースホルダー 5">
             <a:extLst>
               <a:ext uri="{FF2B5EF4-FFF2-40B4-BE49-F238E27FC236}">
-                <a16:creationId xmlns:a16="http://schemas.microsoft.com/office/drawing/2014/main" id="{CEB0B549-9AD2-404C-812C-2CE5A06CFC90}"/>
+                <a16:creationId xmlns:a16="http://schemas.microsoft.com/office/drawing/2014/main" id="{ACEC8B69-4D45-DB4D-9C6F-DBC723F93EE3}"/>
               </a:ext>
             </a:extLst>
           </p:cNvPr>
@@ -540,7 +540,7 @@
           <a:bodyPr/>
           <a:lstStyle/>
           <a:p>
-            <a:fld id="{47E03E9F-2222-9547-ABF8-D34A57C7EB53}" type="slidenum">
+            <a:fld id="{C24D4FC6-C5FB-B340-A8ED-DC624239757F}" type="slidenum">
               <a:rPr kumimoji="1" lang="ja-DE" altLang="en-US" smtClean="0"/>
               <a:t>‹#›</a:t>
             </a:fld>
@@ -551,7 +551,7 @@
     </p:spTree>
     <p:extLst>
       <p:ext uri="{BB962C8B-B14F-4D97-AF65-F5344CB8AC3E}">
-        <p14:creationId xmlns:p14="http://schemas.microsoft.com/office/powerpoint/2010/main" val="3228676117"/>
+        <p14:creationId xmlns:p14="http://schemas.microsoft.com/office/powerpoint/2010/main" val="307308094"/>
       </p:ext>
     </p:extLst>
   </p:cSld>
@@ -583,7 +583,7 @@
           <p:cNvPr id="2" name="縦書きタイトル 1">
             <a:extLst>
               <a:ext uri="{FF2B5EF4-FFF2-40B4-BE49-F238E27FC236}">
-                <a16:creationId xmlns:a16="http://schemas.microsoft.com/office/drawing/2014/main" id="{A7D8C7A1-4CBE-9E40-84DC-87C17FE35EFA}"/>
+                <a16:creationId xmlns:a16="http://schemas.microsoft.com/office/drawing/2014/main" id="{4D1BD6C5-7721-C949-B1A1-981DB686A16A}"/>
               </a:ext>
             </a:extLst>
           </p:cNvPr>
@@ -617,7 +617,7 @@
           <p:cNvPr id="3" name="縦書きテキスト プレースホルダー 2">
             <a:extLst>
               <a:ext uri="{FF2B5EF4-FFF2-40B4-BE49-F238E27FC236}">
-                <a16:creationId xmlns:a16="http://schemas.microsoft.com/office/drawing/2014/main" id="{3AAE5291-E471-324E-ACE3-ADBE08DACFAD}"/>
+                <a16:creationId xmlns:a16="http://schemas.microsoft.com/office/drawing/2014/main" id="{4654A393-CD10-4143-8481-68389B18D4F0}"/>
               </a:ext>
             </a:extLst>
           </p:cNvPr>
@@ -712,7 +712,7 @@
           <p:cNvPr id="4" name="日付プレースホルダー 3">
             <a:extLst>
               <a:ext uri="{FF2B5EF4-FFF2-40B4-BE49-F238E27FC236}">
-                <a16:creationId xmlns:a16="http://schemas.microsoft.com/office/drawing/2014/main" id="{8D2FF902-6016-FB4E-998A-968D833CBDFE}"/>
+                <a16:creationId xmlns:a16="http://schemas.microsoft.com/office/drawing/2014/main" id="{251A9C78-9DA2-0341-A097-70A361E84EB8}"/>
               </a:ext>
             </a:extLst>
           </p:cNvPr>
@@ -728,9 +728,9 @@
           <a:bodyPr/>
           <a:lstStyle/>
           <a:p>
-            <a:fld id="{3ACC58C5-FD3F-2A4A-A89E-E166D0679586}" type="datetimeFigureOut">
+            <a:fld id="{B7C87717-CDC6-C245-A3E9-F02926C7EF08}" type="datetimeFigureOut">
               <a:rPr kumimoji="1" lang="ja-DE" altLang="en-US" smtClean="0"/>
-              <a:t>2020/07/08</a:t>
+              <a:t>2020/07/20</a:t>
             </a:fld>
             <a:endParaRPr kumimoji="1" lang="ja-DE" altLang="en-US"/>
           </a:p>
@@ -741,7 +741,7 @@
           <p:cNvPr id="5" name="フッター プレースホルダー 4">
             <a:extLst>
               <a:ext uri="{FF2B5EF4-FFF2-40B4-BE49-F238E27FC236}">
-                <a16:creationId xmlns:a16="http://schemas.microsoft.com/office/drawing/2014/main" id="{22B21783-546B-4148-8A59-1CB53155C40B}"/>
+                <a16:creationId xmlns:a16="http://schemas.microsoft.com/office/drawing/2014/main" id="{78054A57-1B6A-6446-9D56-63549F531F1A}"/>
               </a:ext>
             </a:extLst>
           </p:cNvPr>
@@ -766,7 +766,7 @@
           <p:cNvPr id="6" name="スライド番号プレースホルダー 5">
             <a:extLst>
               <a:ext uri="{FF2B5EF4-FFF2-40B4-BE49-F238E27FC236}">
-                <a16:creationId xmlns:a16="http://schemas.microsoft.com/office/drawing/2014/main" id="{8DF7E06A-42EA-0E4F-9852-2CBB8F0A358A}"/>
+                <a16:creationId xmlns:a16="http://schemas.microsoft.com/office/drawing/2014/main" id="{D13E7C49-C2DA-7345-945D-D30B3CFAD25B}"/>
               </a:ext>
             </a:extLst>
           </p:cNvPr>
@@ -782,7 +782,7 @@
           <a:bodyPr/>
           <a:lstStyle/>
           <a:p>
-            <a:fld id="{47E03E9F-2222-9547-ABF8-D34A57C7EB53}" type="slidenum">
+            <a:fld id="{C24D4FC6-C5FB-B340-A8ED-DC624239757F}" type="slidenum">
               <a:rPr kumimoji="1" lang="ja-DE" altLang="en-US" smtClean="0"/>
               <a:t>‹#›</a:t>
             </a:fld>
@@ -793,7 +793,7 @@
     </p:spTree>
     <p:extLst>
       <p:ext uri="{BB962C8B-B14F-4D97-AF65-F5344CB8AC3E}">
-        <p14:creationId xmlns:p14="http://schemas.microsoft.com/office/powerpoint/2010/main" val="1010315299"/>
+        <p14:creationId xmlns:p14="http://schemas.microsoft.com/office/powerpoint/2010/main" val="909560191"/>
       </p:ext>
     </p:extLst>
   </p:cSld>
@@ -825,7 +825,7 @@
           <p:cNvPr id="2" name="タイトル 1">
             <a:extLst>
               <a:ext uri="{FF2B5EF4-FFF2-40B4-BE49-F238E27FC236}">
-                <a16:creationId xmlns:a16="http://schemas.microsoft.com/office/drawing/2014/main" id="{B6783927-732D-CA4B-8D69-617C962EBA3C}"/>
+                <a16:creationId xmlns:a16="http://schemas.microsoft.com/office/drawing/2014/main" id="{5A81C608-A4AD-8341-89CA-D129B1F954F1}"/>
               </a:ext>
             </a:extLst>
           </p:cNvPr>
@@ -854,7 +854,7 @@
           <p:cNvPr id="3" name="コンテンツ プレースホルダー 2">
             <a:extLst>
               <a:ext uri="{FF2B5EF4-FFF2-40B4-BE49-F238E27FC236}">
-                <a16:creationId xmlns:a16="http://schemas.microsoft.com/office/drawing/2014/main" id="{E97B886A-8DDA-4040-B6D5-A176FEB45E0A}"/>
+                <a16:creationId xmlns:a16="http://schemas.microsoft.com/office/drawing/2014/main" id="{E82B5B36-D261-C347-944C-0FC893CB8BB4}"/>
               </a:ext>
             </a:extLst>
           </p:cNvPr>
@@ -944,7 +944,7 @@
           <p:cNvPr id="4" name="日付プレースホルダー 3">
             <a:extLst>
               <a:ext uri="{FF2B5EF4-FFF2-40B4-BE49-F238E27FC236}">
-                <a16:creationId xmlns:a16="http://schemas.microsoft.com/office/drawing/2014/main" id="{98E8886B-F7B7-B24E-B59E-FB7DCE3FA086}"/>
+                <a16:creationId xmlns:a16="http://schemas.microsoft.com/office/drawing/2014/main" id="{1A62C689-3C57-AB40-89DA-FC29FF31AC69}"/>
               </a:ext>
             </a:extLst>
           </p:cNvPr>
@@ -960,9 +960,9 @@
           <a:bodyPr/>
           <a:lstStyle/>
           <a:p>
-            <a:fld id="{3ACC58C5-FD3F-2A4A-A89E-E166D0679586}" type="datetimeFigureOut">
+            <a:fld id="{B7C87717-CDC6-C245-A3E9-F02926C7EF08}" type="datetimeFigureOut">
               <a:rPr kumimoji="1" lang="ja-DE" altLang="en-US" smtClean="0"/>
-              <a:t>2020/07/08</a:t>
+              <a:t>2020/07/20</a:t>
             </a:fld>
             <a:endParaRPr kumimoji="1" lang="ja-DE" altLang="en-US"/>
           </a:p>
@@ -973,7 +973,7 @@
           <p:cNvPr id="5" name="フッター プレースホルダー 4">
             <a:extLst>
               <a:ext uri="{FF2B5EF4-FFF2-40B4-BE49-F238E27FC236}">
-                <a16:creationId xmlns:a16="http://schemas.microsoft.com/office/drawing/2014/main" id="{C9BB2E8B-B3B2-4D4A-A31E-233D19C27391}"/>
+                <a16:creationId xmlns:a16="http://schemas.microsoft.com/office/drawing/2014/main" id="{CE023ED7-5C13-ED43-923E-0FD9AE7B78D1}"/>
               </a:ext>
             </a:extLst>
           </p:cNvPr>
@@ -998,7 +998,7 @@
           <p:cNvPr id="6" name="スライド番号プレースホルダー 5">
             <a:extLst>
               <a:ext uri="{FF2B5EF4-FFF2-40B4-BE49-F238E27FC236}">
-                <a16:creationId xmlns:a16="http://schemas.microsoft.com/office/drawing/2014/main" id="{7CD3676D-7EEB-034E-9C9F-522E31840900}"/>
+                <a16:creationId xmlns:a16="http://schemas.microsoft.com/office/drawing/2014/main" id="{879E5DC0-BDFF-904A-8043-C031E6574C19}"/>
               </a:ext>
             </a:extLst>
           </p:cNvPr>
@@ -1014,7 +1014,7 @@
           <a:bodyPr/>
           <a:lstStyle/>
           <a:p>
-            <a:fld id="{47E03E9F-2222-9547-ABF8-D34A57C7EB53}" type="slidenum">
+            <a:fld id="{C24D4FC6-C5FB-B340-A8ED-DC624239757F}" type="slidenum">
               <a:rPr kumimoji="1" lang="ja-DE" altLang="en-US" smtClean="0"/>
               <a:t>‹#›</a:t>
             </a:fld>
@@ -1025,7 +1025,7 @@
     </p:spTree>
     <p:extLst>
       <p:ext uri="{BB962C8B-B14F-4D97-AF65-F5344CB8AC3E}">
-        <p14:creationId xmlns:p14="http://schemas.microsoft.com/office/powerpoint/2010/main" val="2261206542"/>
+        <p14:creationId xmlns:p14="http://schemas.microsoft.com/office/powerpoint/2010/main" val="821403111"/>
       </p:ext>
     </p:extLst>
   </p:cSld>
@@ -1057,7 +1057,7 @@
           <p:cNvPr id="2" name="タイトル 1">
             <a:extLst>
               <a:ext uri="{FF2B5EF4-FFF2-40B4-BE49-F238E27FC236}">
-                <a16:creationId xmlns:a16="http://schemas.microsoft.com/office/drawing/2014/main" id="{0671B2BB-79EC-6C41-9B54-5BB7DD3C13F5}"/>
+                <a16:creationId xmlns:a16="http://schemas.microsoft.com/office/drawing/2014/main" id="{60F0F950-EC0D-6545-AE11-7759C9591A5A}"/>
               </a:ext>
             </a:extLst>
           </p:cNvPr>
@@ -1095,7 +1095,7 @@
           <p:cNvPr id="3" name="テキスト プレースホルダー 2">
             <a:extLst>
               <a:ext uri="{FF2B5EF4-FFF2-40B4-BE49-F238E27FC236}">
-                <a16:creationId xmlns:a16="http://schemas.microsoft.com/office/drawing/2014/main" id="{736AB3D5-798F-384E-B081-90182D93B0B9}"/>
+                <a16:creationId xmlns:a16="http://schemas.microsoft.com/office/drawing/2014/main" id="{57090454-F2CC-804C-9A3F-EA7184AE25EE}"/>
               </a:ext>
             </a:extLst>
           </p:cNvPr>
@@ -1220,7 +1220,7 @@
           <p:cNvPr id="4" name="日付プレースホルダー 3">
             <a:extLst>
               <a:ext uri="{FF2B5EF4-FFF2-40B4-BE49-F238E27FC236}">
-                <a16:creationId xmlns:a16="http://schemas.microsoft.com/office/drawing/2014/main" id="{0D73CB0A-6709-9142-B4EF-CC81D2B6487D}"/>
+                <a16:creationId xmlns:a16="http://schemas.microsoft.com/office/drawing/2014/main" id="{8268CF02-3FD9-A946-A4A0-C09695C989E0}"/>
               </a:ext>
             </a:extLst>
           </p:cNvPr>
@@ -1236,9 +1236,9 @@
           <a:bodyPr/>
           <a:lstStyle/>
           <a:p>
-            <a:fld id="{3ACC58C5-FD3F-2A4A-A89E-E166D0679586}" type="datetimeFigureOut">
+            <a:fld id="{B7C87717-CDC6-C245-A3E9-F02926C7EF08}" type="datetimeFigureOut">
               <a:rPr kumimoji="1" lang="ja-DE" altLang="en-US" smtClean="0"/>
-              <a:t>2020/07/08</a:t>
+              <a:t>2020/07/20</a:t>
             </a:fld>
             <a:endParaRPr kumimoji="1" lang="ja-DE" altLang="en-US"/>
           </a:p>
@@ -1249,7 +1249,7 @@
           <p:cNvPr id="5" name="フッター プレースホルダー 4">
             <a:extLst>
               <a:ext uri="{FF2B5EF4-FFF2-40B4-BE49-F238E27FC236}">
-                <a16:creationId xmlns:a16="http://schemas.microsoft.com/office/drawing/2014/main" id="{CB413BA3-F304-2F42-9DCA-A613263F79A4}"/>
+                <a16:creationId xmlns:a16="http://schemas.microsoft.com/office/drawing/2014/main" id="{DB8ED7A6-9B9B-694A-8849-8E330181A9F8}"/>
               </a:ext>
             </a:extLst>
           </p:cNvPr>
@@ -1274,7 +1274,7 @@
           <p:cNvPr id="6" name="スライド番号プレースホルダー 5">
             <a:extLst>
               <a:ext uri="{FF2B5EF4-FFF2-40B4-BE49-F238E27FC236}">
-                <a16:creationId xmlns:a16="http://schemas.microsoft.com/office/drawing/2014/main" id="{6F7F44CF-0A09-E845-A0F8-E9A0404A4CFE}"/>
+                <a16:creationId xmlns:a16="http://schemas.microsoft.com/office/drawing/2014/main" id="{2DAFDABD-872F-E047-9C25-A79B548EFD16}"/>
               </a:ext>
             </a:extLst>
           </p:cNvPr>
@@ -1290,7 +1290,7 @@
           <a:bodyPr/>
           <a:lstStyle/>
           <a:p>
-            <a:fld id="{47E03E9F-2222-9547-ABF8-D34A57C7EB53}" type="slidenum">
+            <a:fld id="{C24D4FC6-C5FB-B340-A8ED-DC624239757F}" type="slidenum">
               <a:rPr kumimoji="1" lang="ja-DE" altLang="en-US" smtClean="0"/>
               <a:t>‹#›</a:t>
             </a:fld>
@@ -1301,7 +1301,7 @@
     </p:spTree>
     <p:extLst>
       <p:ext uri="{BB962C8B-B14F-4D97-AF65-F5344CB8AC3E}">
-        <p14:creationId xmlns:p14="http://schemas.microsoft.com/office/powerpoint/2010/main" val="2119471145"/>
+        <p14:creationId xmlns:p14="http://schemas.microsoft.com/office/powerpoint/2010/main" val="604675327"/>
       </p:ext>
     </p:extLst>
   </p:cSld>
@@ -1333,7 +1333,7 @@
           <p:cNvPr id="2" name="タイトル 1">
             <a:extLst>
               <a:ext uri="{FF2B5EF4-FFF2-40B4-BE49-F238E27FC236}">
-                <a16:creationId xmlns:a16="http://schemas.microsoft.com/office/drawing/2014/main" id="{06316B6C-DFEE-DE46-83FE-6DDC21A9D7DA}"/>
+                <a16:creationId xmlns:a16="http://schemas.microsoft.com/office/drawing/2014/main" id="{96565F7D-2BAE-9544-A27A-FE2A96E0049C}"/>
               </a:ext>
             </a:extLst>
           </p:cNvPr>
@@ -1362,7 +1362,7 @@
           <p:cNvPr id="3" name="コンテンツ プレースホルダー 2">
             <a:extLst>
               <a:ext uri="{FF2B5EF4-FFF2-40B4-BE49-F238E27FC236}">
-                <a16:creationId xmlns:a16="http://schemas.microsoft.com/office/drawing/2014/main" id="{19A75CD2-54AC-114A-B55B-914BAFADA497}"/>
+                <a16:creationId xmlns:a16="http://schemas.microsoft.com/office/drawing/2014/main" id="{0608738A-AB29-CF4F-AFB7-9A31A1A11D8F}"/>
               </a:ext>
             </a:extLst>
           </p:cNvPr>
@@ -1457,7 +1457,7 @@
           <p:cNvPr id="4" name="コンテンツ プレースホルダー 3">
             <a:extLst>
               <a:ext uri="{FF2B5EF4-FFF2-40B4-BE49-F238E27FC236}">
-                <a16:creationId xmlns:a16="http://schemas.microsoft.com/office/drawing/2014/main" id="{8E4181A0-C4DB-AA42-A84D-0FBE75EB8083}"/>
+                <a16:creationId xmlns:a16="http://schemas.microsoft.com/office/drawing/2014/main" id="{82E8B2C8-66CB-B64F-B005-F63CA01DBA2C}"/>
               </a:ext>
             </a:extLst>
           </p:cNvPr>
@@ -1552,7 +1552,7 @@
           <p:cNvPr id="5" name="日付プレースホルダー 4">
             <a:extLst>
               <a:ext uri="{FF2B5EF4-FFF2-40B4-BE49-F238E27FC236}">
-                <a16:creationId xmlns:a16="http://schemas.microsoft.com/office/drawing/2014/main" id="{1FD32F16-F130-8C43-A657-609009001F47}"/>
+                <a16:creationId xmlns:a16="http://schemas.microsoft.com/office/drawing/2014/main" id="{E6325893-A98D-9342-8CD8-5B515D64DC0F}"/>
               </a:ext>
             </a:extLst>
           </p:cNvPr>
@@ -1568,9 +1568,9 @@
           <a:bodyPr/>
           <a:lstStyle/>
           <a:p>
-            <a:fld id="{3ACC58C5-FD3F-2A4A-A89E-E166D0679586}" type="datetimeFigureOut">
+            <a:fld id="{B7C87717-CDC6-C245-A3E9-F02926C7EF08}" type="datetimeFigureOut">
               <a:rPr kumimoji="1" lang="ja-DE" altLang="en-US" smtClean="0"/>
-              <a:t>2020/07/08</a:t>
+              <a:t>2020/07/20</a:t>
             </a:fld>
             <a:endParaRPr kumimoji="1" lang="ja-DE" altLang="en-US"/>
           </a:p>
@@ -1581,7 +1581,7 @@
           <p:cNvPr id="6" name="フッター プレースホルダー 5">
             <a:extLst>
               <a:ext uri="{FF2B5EF4-FFF2-40B4-BE49-F238E27FC236}">
-                <a16:creationId xmlns:a16="http://schemas.microsoft.com/office/drawing/2014/main" id="{0B5F2445-8BEC-164E-84F0-C506DAD2BB10}"/>
+                <a16:creationId xmlns:a16="http://schemas.microsoft.com/office/drawing/2014/main" id="{03CC9732-F4BF-0B46-9EF3-6CD2CBF41DA3}"/>
               </a:ext>
             </a:extLst>
           </p:cNvPr>
@@ -1606,7 +1606,7 @@
           <p:cNvPr id="7" name="スライド番号プレースホルダー 6">
             <a:extLst>
               <a:ext uri="{FF2B5EF4-FFF2-40B4-BE49-F238E27FC236}">
-                <a16:creationId xmlns:a16="http://schemas.microsoft.com/office/drawing/2014/main" id="{CF702D5C-87AB-7E4F-BAE4-7EF90CBCE73A}"/>
+                <a16:creationId xmlns:a16="http://schemas.microsoft.com/office/drawing/2014/main" id="{B4DFA812-1A3B-4940-B2C1-E25D8491E7B5}"/>
               </a:ext>
             </a:extLst>
           </p:cNvPr>
@@ -1622,7 +1622,7 @@
           <a:bodyPr/>
           <a:lstStyle/>
           <a:p>
-            <a:fld id="{47E03E9F-2222-9547-ABF8-D34A57C7EB53}" type="slidenum">
+            <a:fld id="{C24D4FC6-C5FB-B340-A8ED-DC624239757F}" type="slidenum">
               <a:rPr kumimoji="1" lang="ja-DE" altLang="en-US" smtClean="0"/>
               <a:t>‹#›</a:t>
             </a:fld>
@@ -1633,7 +1633,7 @@
     </p:spTree>
     <p:extLst>
       <p:ext uri="{BB962C8B-B14F-4D97-AF65-F5344CB8AC3E}">
-        <p14:creationId xmlns:p14="http://schemas.microsoft.com/office/powerpoint/2010/main" val="2370438764"/>
+        <p14:creationId xmlns:p14="http://schemas.microsoft.com/office/powerpoint/2010/main" val="2237943263"/>
       </p:ext>
     </p:extLst>
   </p:cSld>
@@ -1665,7 +1665,7 @@
           <p:cNvPr id="2" name="タイトル 1">
             <a:extLst>
               <a:ext uri="{FF2B5EF4-FFF2-40B4-BE49-F238E27FC236}">
-                <a16:creationId xmlns:a16="http://schemas.microsoft.com/office/drawing/2014/main" id="{45ED2767-9C5D-3C42-AD36-53229611FD31}"/>
+                <a16:creationId xmlns:a16="http://schemas.microsoft.com/office/drawing/2014/main" id="{43FF19E9-1A73-3F46-A3E5-1F30FEA7FF12}"/>
               </a:ext>
             </a:extLst>
           </p:cNvPr>
@@ -1699,7 +1699,7 @@
           <p:cNvPr id="3" name="テキスト プレースホルダー 2">
             <a:extLst>
               <a:ext uri="{FF2B5EF4-FFF2-40B4-BE49-F238E27FC236}">
-                <a16:creationId xmlns:a16="http://schemas.microsoft.com/office/drawing/2014/main" id="{F6321AF8-DF6E-F944-AB91-09A0B78C8458}"/>
+                <a16:creationId xmlns:a16="http://schemas.microsoft.com/office/drawing/2014/main" id="{3927E391-1112-424A-AE27-0C2DA6CC27ED}"/>
               </a:ext>
             </a:extLst>
           </p:cNvPr>
@@ -1770,7 +1770,7 @@
           <p:cNvPr id="4" name="コンテンツ プレースホルダー 3">
             <a:extLst>
               <a:ext uri="{FF2B5EF4-FFF2-40B4-BE49-F238E27FC236}">
-                <a16:creationId xmlns:a16="http://schemas.microsoft.com/office/drawing/2014/main" id="{840A5CCD-3C6E-7F44-A679-3F7F255DFE91}"/>
+                <a16:creationId xmlns:a16="http://schemas.microsoft.com/office/drawing/2014/main" id="{D3C6C87B-93B2-9C48-B726-6F4ACB2ABF6A}"/>
               </a:ext>
             </a:extLst>
           </p:cNvPr>
@@ -1865,7 +1865,7 @@
           <p:cNvPr id="5" name="テキスト プレースホルダー 4">
             <a:extLst>
               <a:ext uri="{FF2B5EF4-FFF2-40B4-BE49-F238E27FC236}">
-                <a16:creationId xmlns:a16="http://schemas.microsoft.com/office/drawing/2014/main" id="{917DAFD9-F446-D14A-A767-05179E5C6F35}"/>
+                <a16:creationId xmlns:a16="http://schemas.microsoft.com/office/drawing/2014/main" id="{2299DBB2-B132-3F48-82B0-B702E21C5921}"/>
               </a:ext>
             </a:extLst>
           </p:cNvPr>
@@ -1936,7 +1936,7 @@
           <p:cNvPr id="6" name="コンテンツ プレースホルダー 5">
             <a:extLst>
               <a:ext uri="{FF2B5EF4-FFF2-40B4-BE49-F238E27FC236}">
-                <a16:creationId xmlns:a16="http://schemas.microsoft.com/office/drawing/2014/main" id="{A29BA853-CD91-E048-BB38-57915D38C932}"/>
+                <a16:creationId xmlns:a16="http://schemas.microsoft.com/office/drawing/2014/main" id="{E58C0C44-0742-3747-B124-8125DE45C89D}"/>
               </a:ext>
             </a:extLst>
           </p:cNvPr>
@@ -2031,7 +2031,7 @@
           <p:cNvPr id="7" name="日付プレースホルダー 6">
             <a:extLst>
               <a:ext uri="{FF2B5EF4-FFF2-40B4-BE49-F238E27FC236}">
-                <a16:creationId xmlns:a16="http://schemas.microsoft.com/office/drawing/2014/main" id="{9C6BDD81-5959-CE40-B8DC-2759490CCA95}"/>
+                <a16:creationId xmlns:a16="http://schemas.microsoft.com/office/drawing/2014/main" id="{89A48AF6-DF1E-EC44-A334-EF40E507594F}"/>
               </a:ext>
             </a:extLst>
           </p:cNvPr>
@@ -2047,9 +2047,9 @@
           <a:bodyPr/>
           <a:lstStyle/>
           <a:p>
-            <a:fld id="{3ACC58C5-FD3F-2A4A-A89E-E166D0679586}" type="datetimeFigureOut">
+            <a:fld id="{B7C87717-CDC6-C245-A3E9-F02926C7EF08}" type="datetimeFigureOut">
               <a:rPr kumimoji="1" lang="ja-DE" altLang="en-US" smtClean="0"/>
-              <a:t>2020/07/08</a:t>
+              <a:t>2020/07/20</a:t>
             </a:fld>
             <a:endParaRPr kumimoji="1" lang="ja-DE" altLang="en-US"/>
           </a:p>
@@ -2060,7 +2060,7 @@
           <p:cNvPr id="8" name="フッター プレースホルダー 7">
             <a:extLst>
               <a:ext uri="{FF2B5EF4-FFF2-40B4-BE49-F238E27FC236}">
-                <a16:creationId xmlns:a16="http://schemas.microsoft.com/office/drawing/2014/main" id="{3D024EBB-5018-7545-AA96-D3CF9259F752}"/>
+                <a16:creationId xmlns:a16="http://schemas.microsoft.com/office/drawing/2014/main" id="{85F0AC98-4CC7-C64E-84B3-F6AA502DDBA9}"/>
               </a:ext>
             </a:extLst>
           </p:cNvPr>
@@ -2085,7 +2085,7 @@
           <p:cNvPr id="9" name="スライド番号プレースホルダー 8">
             <a:extLst>
               <a:ext uri="{FF2B5EF4-FFF2-40B4-BE49-F238E27FC236}">
-                <a16:creationId xmlns:a16="http://schemas.microsoft.com/office/drawing/2014/main" id="{CBA9E043-61E0-DA4C-8D9B-3562942712EE}"/>
+                <a16:creationId xmlns:a16="http://schemas.microsoft.com/office/drawing/2014/main" id="{4335CE4E-B034-704C-AF75-D638B0950BCD}"/>
               </a:ext>
             </a:extLst>
           </p:cNvPr>
@@ -2101,7 +2101,7 @@
           <a:bodyPr/>
           <a:lstStyle/>
           <a:p>
-            <a:fld id="{47E03E9F-2222-9547-ABF8-D34A57C7EB53}" type="slidenum">
+            <a:fld id="{C24D4FC6-C5FB-B340-A8ED-DC624239757F}" type="slidenum">
               <a:rPr kumimoji="1" lang="ja-DE" altLang="en-US" smtClean="0"/>
               <a:t>‹#›</a:t>
             </a:fld>
@@ -2112,7 +2112,7 @@
     </p:spTree>
     <p:extLst>
       <p:ext uri="{BB962C8B-B14F-4D97-AF65-F5344CB8AC3E}">
-        <p14:creationId xmlns:p14="http://schemas.microsoft.com/office/powerpoint/2010/main" val="1687106914"/>
+        <p14:creationId xmlns:p14="http://schemas.microsoft.com/office/powerpoint/2010/main" val="2618264628"/>
       </p:ext>
     </p:extLst>
   </p:cSld>
@@ -2144,7 +2144,7 @@
           <p:cNvPr id="2" name="タイトル 1">
             <a:extLst>
               <a:ext uri="{FF2B5EF4-FFF2-40B4-BE49-F238E27FC236}">
-                <a16:creationId xmlns:a16="http://schemas.microsoft.com/office/drawing/2014/main" id="{E79DE899-7B21-5742-94C4-BEFCF541A277}"/>
+                <a16:creationId xmlns:a16="http://schemas.microsoft.com/office/drawing/2014/main" id="{AF0197CC-E127-0447-B674-A226601521C0}"/>
               </a:ext>
             </a:extLst>
           </p:cNvPr>
@@ -2173,7 +2173,7 @@
           <p:cNvPr id="3" name="日付プレースホルダー 2">
             <a:extLst>
               <a:ext uri="{FF2B5EF4-FFF2-40B4-BE49-F238E27FC236}">
-                <a16:creationId xmlns:a16="http://schemas.microsoft.com/office/drawing/2014/main" id="{A1579F6C-5FC5-F24C-8435-8F65E9EA8B97}"/>
+                <a16:creationId xmlns:a16="http://schemas.microsoft.com/office/drawing/2014/main" id="{C1F4036F-8650-5847-852D-0891239821A0}"/>
               </a:ext>
             </a:extLst>
           </p:cNvPr>
@@ -2189,9 +2189,9 @@
           <a:bodyPr/>
           <a:lstStyle/>
           <a:p>
-            <a:fld id="{3ACC58C5-FD3F-2A4A-A89E-E166D0679586}" type="datetimeFigureOut">
+            <a:fld id="{B7C87717-CDC6-C245-A3E9-F02926C7EF08}" type="datetimeFigureOut">
               <a:rPr kumimoji="1" lang="ja-DE" altLang="en-US" smtClean="0"/>
-              <a:t>2020/07/08</a:t>
+              <a:t>2020/07/20</a:t>
             </a:fld>
             <a:endParaRPr kumimoji="1" lang="ja-DE" altLang="en-US"/>
           </a:p>
@@ -2202,7 +2202,7 @@
           <p:cNvPr id="4" name="フッター プレースホルダー 3">
             <a:extLst>
               <a:ext uri="{FF2B5EF4-FFF2-40B4-BE49-F238E27FC236}">
-                <a16:creationId xmlns:a16="http://schemas.microsoft.com/office/drawing/2014/main" id="{FAA184C4-D4B0-6C46-B1F8-B9BA62AB79E1}"/>
+                <a16:creationId xmlns:a16="http://schemas.microsoft.com/office/drawing/2014/main" id="{7DAFAEB7-5072-6D44-BA02-10B429E57D50}"/>
               </a:ext>
             </a:extLst>
           </p:cNvPr>
@@ -2227,7 +2227,7 @@
           <p:cNvPr id="5" name="スライド番号プレースホルダー 4">
             <a:extLst>
               <a:ext uri="{FF2B5EF4-FFF2-40B4-BE49-F238E27FC236}">
-                <a16:creationId xmlns:a16="http://schemas.microsoft.com/office/drawing/2014/main" id="{24DB5DAE-6099-5246-81D4-D34FCA62AEFC}"/>
+                <a16:creationId xmlns:a16="http://schemas.microsoft.com/office/drawing/2014/main" id="{C63C2A1B-E936-F345-A0F3-56B10E6CD058}"/>
               </a:ext>
             </a:extLst>
           </p:cNvPr>
@@ -2243,7 +2243,7 @@
           <a:bodyPr/>
           <a:lstStyle/>
           <a:p>
-            <a:fld id="{47E03E9F-2222-9547-ABF8-D34A57C7EB53}" type="slidenum">
+            <a:fld id="{C24D4FC6-C5FB-B340-A8ED-DC624239757F}" type="slidenum">
               <a:rPr kumimoji="1" lang="ja-DE" altLang="en-US" smtClean="0"/>
               <a:t>‹#›</a:t>
             </a:fld>
@@ -2254,7 +2254,7 @@
     </p:spTree>
     <p:extLst>
       <p:ext uri="{BB962C8B-B14F-4D97-AF65-F5344CB8AC3E}">
-        <p14:creationId xmlns:p14="http://schemas.microsoft.com/office/powerpoint/2010/main" val="4053439155"/>
+        <p14:creationId xmlns:p14="http://schemas.microsoft.com/office/powerpoint/2010/main" val="2202434526"/>
       </p:ext>
     </p:extLst>
   </p:cSld>
@@ -2286,7 +2286,7 @@
           <p:cNvPr id="2" name="日付プレースホルダー 1">
             <a:extLst>
               <a:ext uri="{FF2B5EF4-FFF2-40B4-BE49-F238E27FC236}">
-                <a16:creationId xmlns:a16="http://schemas.microsoft.com/office/drawing/2014/main" id="{11198BFA-3C64-7E48-B94D-30726FD6F7CD}"/>
+                <a16:creationId xmlns:a16="http://schemas.microsoft.com/office/drawing/2014/main" id="{4BE65BB5-8819-824F-A5AF-E372883CEFA2}"/>
               </a:ext>
             </a:extLst>
           </p:cNvPr>
@@ -2302,9 +2302,9 @@
           <a:bodyPr/>
           <a:lstStyle/>
           <a:p>
-            <a:fld id="{3ACC58C5-FD3F-2A4A-A89E-E166D0679586}" type="datetimeFigureOut">
+            <a:fld id="{B7C87717-CDC6-C245-A3E9-F02926C7EF08}" type="datetimeFigureOut">
               <a:rPr kumimoji="1" lang="ja-DE" altLang="en-US" smtClean="0"/>
-              <a:t>2020/07/08</a:t>
+              <a:t>2020/07/20</a:t>
             </a:fld>
             <a:endParaRPr kumimoji="1" lang="ja-DE" altLang="en-US"/>
           </a:p>
@@ -2315,7 +2315,7 @@
           <p:cNvPr id="3" name="フッター プレースホルダー 2">
             <a:extLst>
               <a:ext uri="{FF2B5EF4-FFF2-40B4-BE49-F238E27FC236}">
-                <a16:creationId xmlns:a16="http://schemas.microsoft.com/office/drawing/2014/main" id="{63EC64B5-2F80-6C4C-B4FC-2D83A8A12C64}"/>
+                <a16:creationId xmlns:a16="http://schemas.microsoft.com/office/drawing/2014/main" id="{F08D5296-BD36-024B-97C2-71C46B897655}"/>
               </a:ext>
             </a:extLst>
           </p:cNvPr>
@@ -2340,7 +2340,7 @@
           <p:cNvPr id="4" name="スライド番号プレースホルダー 3">
             <a:extLst>
               <a:ext uri="{FF2B5EF4-FFF2-40B4-BE49-F238E27FC236}">
-                <a16:creationId xmlns:a16="http://schemas.microsoft.com/office/drawing/2014/main" id="{FE37A3B9-891A-CD47-8FA6-E7251A98E02B}"/>
+                <a16:creationId xmlns:a16="http://schemas.microsoft.com/office/drawing/2014/main" id="{F0DB6A92-6C6A-3449-A7F6-E7090DC871A5}"/>
               </a:ext>
             </a:extLst>
           </p:cNvPr>
@@ -2356,7 +2356,7 @@
           <a:bodyPr/>
           <a:lstStyle/>
           <a:p>
-            <a:fld id="{47E03E9F-2222-9547-ABF8-D34A57C7EB53}" type="slidenum">
+            <a:fld id="{C24D4FC6-C5FB-B340-A8ED-DC624239757F}" type="slidenum">
               <a:rPr kumimoji="1" lang="ja-DE" altLang="en-US" smtClean="0"/>
               <a:t>‹#›</a:t>
             </a:fld>
@@ -2367,7 +2367,7 @@
     </p:spTree>
     <p:extLst>
       <p:ext uri="{BB962C8B-B14F-4D97-AF65-F5344CB8AC3E}">
-        <p14:creationId xmlns:p14="http://schemas.microsoft.com/office/powerpoint/2010/main" val="3520448035"/>
+        <p14:creationId xmlns:p14="http://schemas.microsoft.com/office/powerpoint/2010/main" val="1278059789"/>
       </p:ext>
     </p:extLst>
   </p:cSld>
@@ -2399,7 +2399,7 @@
           <p:cNvPr id="2" name="タイトル 1">
             <a:extLst>
               <a:ext uri="{FF2B5EF4-FFF2-40B4-BE49-F238E27FC236}">
-                <a16:creationId xmlns:a16="http://schemas.microsoft.com/office/drawing/2014/main" id="{9AAA7173-26B8-5F48-AD87-AD84E5EA4EE8}"/>
+                <a16:creationId xmlns:a16="http://schemas.microsoft.com/office/drawing/2014/main" id="{0B9B49A4-C7AB-6642-876E-6E828C9CD1DA}"/>
               </a:ext>
             </a:extLst>
           </p:cNvPr>
@@ -2437,7 +2437,7 @@
           <p:cNvPr id="3" name="コンテンツ プレースホルダー 2">
             <a:extLst>
               <a:ext uri="{FF2B5EF4-FFF2-40B4-BE49-F238E27FC236}">
-                <a16:creationId xmlns:a16="http://schemas.microsoft.com/office/drawing/2014/main" id="{C8B37B3F-4939-AF44-9456-61064A1B684D}"/>
+                <a16:creationId xmlns:a16="http://schemas.microsoft.com/office/drawing/2014/main" id="{2B75915D-EE1F-C344-BE15-B8B1D5F301C5}"/>
               </a:ext>
             </a:extLst>
           </p:cNvPr>
@@ -2560,7 +2560,7 @@
           <p:cNvPr id="4" name="テキスト プレースホルダー 3">
             <a:extLst>
               <a:ext uri="{FF2B5EF4-FFF2-40B4-BE49-F238E27FC236}">
-                <a16:creationId xmlns:a16="http://schemas.microsoft.com/office/drawing/2014/main" id="{AFFE5B9C-F24C-ED47-B19A-E930284D355D}"/>
+                <a16:creationId xmlns:a16="http://schemas.microsoft.com/office/drawing/2014/main" id="{EBE88610-C9D7-2B44-AA71-66C6BC2C8730}"/>
               </a:ext>
             </a:extLst>
           </p:cNvPr>
@@ -2631,7 +2631,7 @@
           <p:cNvPr id="5" name="日付プレースホルダー 4">
             <a:extLst>
               <a:ext uri="{FF2B5EF4-FFF2-40B4-BE49-F238E27FC236}">
-                <a16:creationId xmlns:a16="http://schemas.microsoft.com/office/drawing/2014/main" id="{9004B683-02EE-374F-BAC2-4B090F6BA62A}"/>
+                <a16:creationId xmlns:a16="http://schemas.microsoft.com/office/drawing/2014/main" id="{EA13B6AB-66C1-334C-91B7-3BBBC634CCF4}"/>
               </a:ext>
             </a:extLst>
           </p:cNvPr>
@@ -2647,9 +2647,9 @@
           <a:bodyPr/>
           <a:lstStyle/>
           <a:p>
-            <a:fld id="{3ACC58C5-FD3F-2A4A-A89E-E166D0679586}" type="datetimeFigureOut">
+            <a:fld id="{B7C87717-CDC6-C245-A3E9-F02926C7EF08}" type="datetimeFigureOut">
               <a:rPr kumimoji="1" lang="ja-DE" altLang="en-US" smtClean="0"/>
-              <a:t>2020/07/08</a:t>
+              <a:t>2020/07/20</a:t>
             </a:fld>
             <a:endParaRPr kumimoji="1" lang="ja-DE" altLang="en-US"/>
           </a:p>
@@ -2660,7 +2660,7 @@
           <p:cNvPr id="6" name="フッター プレースホルダー 5">
             <a:extLst>
               <a:ext uri="{FF2B5EF4-FFF2-40B4-BE49-F238E27FC236}">
-                <a16:creationId xmlns:a16="http://schemas.microsoft.com/office/drawing/2014/main" id="{150E6D16-A4C7-004D-8B24-01542DD7BB5A}"/>
+                <a16:creationId xmlns:a16="http://schemas.microsoft.com/office/drawing/2014/main" id="{FC415940-07BF-204D-9FF5-C8BD5975B803}"/>
               </a:ext>
             </a:extLst>
           </p:cNvPr>
@@ -2685,7 +2685,7 @@
           <p:cNvPr id="7" name="スライド番号プレースホルダー 6">
             <a:extLst>
               <a:ext uri="{FF2B5EF4-FFF2-40B4-BE49-F238E27FC236}">
-                <a16:creationId xmlns:a16="http://schemas.microsoft.com/office/drawing/2014/main" id="{63B65FF9-B60A-7D48-829C-8084E067AFFA}"/>
+                <a16:creationId xmlns:a16="http://schemas.microsoft.com/office/drawing/2014/main" id="{732F2A3E-EF5C-E447-845F-A9942617EB2A}"/>
               </a:ext>
             </a:extLst>
           </p:cNvPr>
@@ -2701,7 +2701,7 @@
           <a:bodyPr/>
           <a:lstStyle/>
           <a:p>
-            <a:fld id="{47E03E9F-2222-9547-ABF8-D34A57C7EB53}" type="slidenum">
+            <a:fld id="{C24D4FC6-C5FB-B340-A8ED-DC624239757F}" type="slidenum">
               <a:rPr kumimoji="1" lang="ja-DE" altLang="en-US" smtClean="0"/>
               <a:t>‹#›</a:t>
             </a:fld>
@@ -2712,7 +2712,7 @@
     </p:spTree>
     <p:extLst>
       <p:ext uri="{BB962C8B-B14F-4D97-AF65-F5344CB8AC3E}">
-        <p14:creationId xmlns:p14="http://schemas.microsoft.com/office/powerpoint/2010/main" val="456774211"/>
+        <p14:creationId xmlns:p14="http://schemas.microsoft.com/office/powerpoint/2010/main" val="1901939880"/>
       </p:ext>
     </p:extLst>
   </p:cSld>
@@ -2744,7 +2744,7 @@
           <p:cNvPr id="2" name="タイトル 1">
             <a:extLst>
               <a:ext uri="{FF2B5EF4-FFF2-40B4-BE49-F238E27FC236}">
-                <a16:creationId xmlns:a16="http://schemas.microsoft.com/office/drawing/2014/main" id="{DFFD3ED3-8216-574F-8E71-558F094BC15E}"/>
+                <a16:creationId xmlns:a16="http://schemas.microsoft.com/office/drawing/2014/main" id="{109D6C0A-9918-6641-9AC4-F89A069E129D}"/>
               </a:ext>
             </a:extLst>
           </p:cNvPr>
@@ -2782,7 +2782,7 @@
           <p:cNvPr id="3" name="図プレースホルダー 2">
             <a:extLst>
               <a:ext uri="{FF2B5EF4-FFF2-40B4-BE49-F238E27FC236}">
-                <a16:creationId xmlns:a16="http://schemas.microsoft.com/office/drawing/2014/main" id="{EFF4F06A-C089-3B48-B9F7-BE36BFF30074}"/>
+                <a16:creationId xmlns:a16="http://schemas.microsoft.com/office/drawing/2014/main" id="{5FD60290-98D7-E24E-84AC-8A0AE373BB42}"/>
               </a:ext>
             </a:extLst>
           </p:cNvPr>
@@ -2849,7 +2849,7 @@
           <p:cNvPr id="4" name="テキスト プレースホルダー 3">
             <a:extLst>
               <a:ext uri="{FF2B5EF4-FFF2-40B4-BE49-F238E27FC236}">
-                <a16:creationId xmlns:a16="http://schemas.microsoft.com/office/drawing/2014/main" id="{2A6EF60D-DC7F-1946-BFD9-8A882CE1D1F3}"/>
+                <a16:creationId xmlns:a16="http://schemas.microsoft.com/office/drawing/2014/main" id="{4C55D038-CEAB-F649-BC4D-9FAD8E3F59E8}"/>
               </a:ext>
             </a:extLst>
           </p:cNvPr>
@@ -2920,7 +2920,7 @@
           <p:cNvPr id="5" name="日付プレースホルダー 4">
             <a:extLst>
               <a:ext uri="{FF2B5EF4-FFF2-40B4-BE49-F238E27FC236}">
-                <a16:creationId xmlns:a16="http://schemas.microsoft.com/office/drawing/2014/main" id="{3487ECA5-4C4F-1643-B2B4-F7CA0707F6AF}"/>
+                <a16:creationId xmlns:a16="http://schemas.microsoft.com/office/drawing/2014/main" id="{DE55CBF2-252A-A847-9ADA-4ECBA4CD4FCA}"/>
               </a:ext>
             </a:extLst>
           </p:cNvPr>
@@ -2936,9 +2936,9 @@
           <a:bodyPr/>
           <a:lstStyle/>
           <a:p>
-            <a:fld id="{3ACC58C5-FD3F-2A4A-A89E-E166D0679586}" type="datetimeFigureOut">
+            <a:fld id="{B7C87717-CDC6-C245-A3E9-F02926C7EF08}" type="datetimeFigureOut">
               <a:rPr kumimoji="1" lang="ja-DE" altLang="en-US" smtClean="0"/>
-              <a:t>2020/07/08</a:t>
+              <a:t>2020/07/20</a:t>
             </a:fld>
             <a:endParaRPr kumimoji="1" lang="ja-DE" altLang="en-US"/>
           </a:p>
@@ -2949,7 +2949,7 @@
           <p:cNvPr id="6" name="フッター プレースホルダー 5">
             <a:extLst>
               <a:ext uri="{FF2B5EF4-FFF2-40B4-BE49-F238E27FC236}">
-                <a16:creationId xmlns:a16="http://schemas.microsoft.com/office/drawing/2014/main" id="{C46C30DB-90BC-A041-88FF-2630A1926566}"/>
+                <a16:creationId xmlns:a16="http://schemas.microsoft.com/office/drawing/2014/main" id="{CB4812C6-3847-ED4C-9E76-C73666175B7F}"/>
               </a:ext>
             </a:extLst>
           </p:cNvPr>
@@ -2974,7 +2974,7 @@
           <p:cNvPr id="7" name="スライド番号プレースホルダー 6">
             <a:extLst>
               <a:ext uri="{FF2B5EF4-FFF2-40B4-BE49-F238E27FC236}">
-                <a16:creationId xmlns:a16="http://schemas.microsoft.com/office/drawing/2014/main" id="{0FC7D4C6-089B-7442-82EC-75D23055D2B8}"/>
+                <a16:creationId xmlns:a16="http://schemas.microsoft.com/office/drawing/2014/main" id="{11EACC79-FFD4-A049-8D36-CDE88285CFB5}"/>
               </a:ext>
             </a:extLst>
           </p:cNvPr>
@@ -2990,7 +2990,7 @@
           <a:bodyPr/>
           <a:lstStyle/>
           <a:p>
-            <a:fld id="{47E03E9F-2222-9547-ABF8-D34A57C7EB53}" type="slidenum">
+            <a:fld id="{C24D4FC6-C5FB-B340-A8ED-DC624239757F}" type="slidenum">
               <a:rPr kumimoji="1" lang="ja-DE" altLang="en-US" smtClean="0"/>
               <a:t>‹#›</a:t>
             </a:fld>
@@ -3001,7 +3001,7 @@
     </p:spTree>
     <p:extLst>
       <p:ext uri="{BB962C8B-B14F-4D97-AF65-F5344CB8AC3E}">
-        <p14:creationId xmlns:p14="http://schemas.microsoft.com/office/powerpoint/2010/main" val="3962032163"/>
+        <p14:creationId xmlns:p14="http://schemas.microsoft.com/office/powerpoint/2010/main" val="2662061906"/>
       </p:ext>
     </p:extLst>
   </p:cSld>
@@ -3038,7 +3038,7 @@
           <p:cNvPr id="2" name="タイトル プレースホルダー 1">
             <a:extLst>
               <a:ext uri="{FF2B5EF4-FFF2-40B4-BE49-F238E27FC236}">
-                <a16:creationId xmlns:a16="http://schemas.microsoft.com/office/drawing/2014/main" id="{6907157B-1652-D54E-982C-8586C412BFD6}"/>
+                <a16:creationId xmlns:a16="http://schemas.microsoft.com/office/drawing/2014/main" id="{ABC05273-B038-2746-9731-5D81E7A2DC70}"/>
               </a:ext>
             </a:extLst>
           </p:cNvPr>
@@ -3077,7 +3077,7 @@
           <p:cNvPr id="3" name="テキスト プレースホルダー 2">
             <a:extLst>
               <a:ext uri="{FF2B5EF4-FFF2-40B4-BE49-F238E27FC236}">
-                <a16:creationId xmlns:a16="http://schemas.microsoft.com/office/drawing/2014/main" id="{E59D95C2-FC43-BE4C-9F78-54EA22101491}"/>
+                <a16:creationId xmlns:a16="http://schemas.microsoft.com/office/drawing/2014/main" id="{3749D563-B89D-144E-B567-6187C38D1AEF}"/>
               </a:ext>
             </a:extLst>
           </p:cNvPr>
@@ -3177,7 +3177,7 @@
           <p:cNvPr id="4" name="日付プレースホルダー 3">
             <a:extLst>
               <a:ext uri="{FF2B5EF4-FFF2-40B4-BE49-F238E27FC236}">
-                <a16:creationId xmlns:a16="http://schemas.microsoft.com/office/drawing/2014/main" id="{A0A31B73-4AC3-D448-82C1-0B4FFF51EAE2}"/>
+                <a16:creationId xmlns:a16="http://schemas.microsoft.com/office/drawing/2014/main" id="{73730514-BA15-6548-A40A-37DB137ED2A6}"/>
               </a:ext>
             </a:extLst>
           </p:cNvPr>
@@ -3211,9 +3211,9 @@
             </a:lvl1pPr>
           </a:lstStyle>
           <a:p>
-            <a:fld id="{3ACC58C5-FD3F-2A4A-A89E-E166D0679586}" type="datetimeFigureOut">
+            <a:fld id="{B7C87717-CDC6-C245-A3E9-F02926C7EF08}" type="datetimeFigureOut">
               <a:rPr kumimoji="1" lang="ja-DE" altLang="en-US" smtClean="0"/>
-              <a:t>2020/07/08</a:t>
+              <a:t>2020/07/20</a:t>
             </a:fld>
             <a:endParaRPr kumimoji="1" lang="ja-DE" altLang="en-US"/>
           </a:p>
@@ -3224,7 +3224,7 @@
           <p:cNvPr id="5" name="フッター プレースホルダー 4">
             <a:extLst>
               <a:ext uri="{FF2B5EF4-FFF2-40B4-BE49-F238E27FC236}">
-                <a16:creationId xmlns:a16="http://schemas.microsoft.com/office/drawing/2014/main" id="{7E082693-EF6A-9E4C-94B1-59C725739E93}"/>
+                <a16:creationId xmlns:a16="http://schemas.microsoft.com/office/drawing/2014/main" id="{60B9DA03-90ED-B94E-9B3F-008B6324FE9D}"/>
               </a:ext>
             </a:extLst>
           </p:cNvPr>
@@ -3267,7 +3267,7 @@
           <p:cNvPr id="6" name="スライド番号プレースホルダー 5">
             <a:extLst>
               <a:ext uri="{FF2B5EF4-FFF2-40B4-BE49-F238E27FC236}">
-                <a16:creationId xmlns:a16="http://schemas.microsoft.com/office/drawing/2014/main" id="{2DD7C9F0-2D88-EF49-AA62-37BD30749246}"/>
+                <a16:creationId xmlns:a16="http://schemas.microsoft.com/office/drawing/2014/main" id="{6B3F9E9A-5B81-8E44-ABBE-678D1DBE8108}"/>
               </a:ext>
             </a:extLst>
           </p:cNvPr>
@@ -3301,7 +3301,7 @@
             </a:lvl1pPr>
           </a:lstStyle>
           <a:p>
-            <a:fld id="{47E03E9F-2222-9547-ABF8-D34A57C7EB53}" type="slidenum">
+            <a:fld id="{C24D4FC6-C5FB-B340-A8ED-DC624239757F}" type="slidenum">
               <a:rPr kumimoji="1" lang="ja-DE" altLang="en-US" smtClean="0"/>
               <a:t>‹#›</a:t>
             </a:fld>
@@ -3312,7 +3312,7 @@
     </p:spTree>
     <p:extLst>
       <p:ext uri="{BB962C8B-B14F-4D97-AF65-F5344CB8AC3E}">
-        <p14:creationId xmlns:p14="http://schemas.microsoft.com/office/powerpoint/2010/main" val="4215208606"/>
+        <p14:creationId xmlns:p14="http://schemas.microsoft.com/office/powerpoint/2010/main" val="1108522761"/>
       </p:ext>
     </p:extLst>
   </p:cSld>
@@ -3638,7 +3638,7 @@
         </p:nvSpPr>
         <p:spPr>
           <a:xfrm>
-            <a:off x="257908" y="74639"/>
+            <a:off x="218831" y="106615"/>
             <a:ext cx="11754338" cy="369332"/>
           </a:xfrm>
           <a:prstGeom prst="rect">
@@ -3655,7 +3655,7 @@
             <a:pPr algn="ctr"/>
             <a:r>
               <a:rPr kumimoji="1" lang="en-US" altLang="ja-JP" b="1" dirty="0"/>
-              <a:t>Challenging Common Assumptions in the Unsupervised Learning of Disentangled Representations</a:t>
+              <a:t>Weakly-Supervised Disentanglement Without Compromises</a:t>
             </a:r>
             <a:endParaRPr kumimoji="1" lang="ja-JP" altLang="en-US" b="1" dirty="0"/>
           </a:p>
@@ -3809,7 +3809,7 @@
         </p:nvSpPr>
         <p:spPr>
           <a:xfrm>
-            <a:off x="6279660" y="3681046"/>
+            <a:off x="6205412" y="3387710"/>
             <a:ext cx="3856894" cy="369332"/>
           </a:xfrm>
           <a:prstGeom prst="rect">
@@ -3879,8 +3879,8 @@
         </p:nvSpPr>
         <p:spPr>
           <a:xfrm>
-            <a:off x="1418492" y="443971"/>
-            <a:ext cx="7893539" cy="646331"/>
+            <a:off x="2149230" y="364297"/>
+            <a:ext cx="7893539" cy="923330"/>
           </a:xfrm>
           <a:prstGeom prst="rect">
             <a:avLst/>
@@ -3895,64 +3895,63 @@
           <a:p>
             <a:pPr algn="ctr"/>
             <a:r>
-              <a:rPr lang="en-US" altLang="ja-JP" dirty="0"/>
+              <a:rPr kumimoji="1" lang="en-US" altLang="ja-JP" dirty="0"/>
               <a:t>Francesco </a:t>
             </a:r>
             <a:r>
-              <a:rPr lang="en-US" altLang="ja-JP" dirty="0" err="1"/>
+              <a:rPr kumimoji="1" lang="en-US" altLang="ja-JP" dirty="0" err="1"/>
               <a:t>Locatello</a:t>
             </a:r>
             <a:r>
-              <a:rPr lang="en-US" altLang="ja-JP" dirty="0"/>
-              <a:t>, Stefan </a:t>
-            </a:r>
-            <a:r>
-              <a:rPr lang="en-US" altLang="ja-JP" dirty="0" err="1"/>
-              <a:t>Bayerm</a:t>
-            </a:r>
-            <a:r>
-              <a:rPr lang="en-US" altLang="ja-JP" dirty="0"/>
-              <a:t>, Mario </a:t>
-            </a:r>
-            <a:r>
-              <a:rPr lang="en-US" altLang="ja-JP" dirty="0" err="1"/>
-              <a:t>Lucic</a:t>
-            </a:r>
-            <a:r>
-              <a:rPr lang="en-US" altLang="ja-JP" dirty="0"/>
-              <a:t>, Gunnar </a:t>
-            </a:r>
-            <a:r>
-              <a:rPr lang="en-US" altLang="ja-JP" dirty="0" err="1"/>
+              <a:rPr kumimoji="1" lang="en-US" altLang="ja-JP" dirty="0"/>
+              <a:t>, Ben Poole, Gunnar </a:t>
+            </a:r>
+            <a:r>
+              <a:rPr kumimoji="1" lang="en-US" altLang="ja-JP" dirty="0" err="1"/>
               <a:t>Rätsch</a:t>
             </a:r>
             <a:r>
-              <a:rPr lang="en-US" altLang="ja-JP" dirty="0"/>
-              <a:t>, Sylvain </a:t>
-            </a:r>
-            <a:r>
-              <a:rPr lang="en-US" altLang="ja-JP" dirty="0" err="1"/>
-              <a:t>Gelly</a:t>
-            </a:r>
-            <a:r>
-              <a:rPr lang="en-US" altLang="ja-JP" dirty="0"/>
+              <a:rPr kumimoji="1" lang="en-US" altLang="ja-JP" dirty="0"/>
               <a:t>, Bernhard </a:t>
             </a:r>
             <a:r>
-              <a:rPr lang="en-US" altLang="ja-JP" dirty="0" err="1"/>
+              <a:rPr kumimoji="1" lang="en-US" altLang="ja-JP" dirty="0" err="1"/>
               <a:t>Schölkopf</a:t>
             </a:r>
             <a:r>
-              <a:rPr lang="en-US" altLang="ja-JP" dirty="0"/>
+              <a:rPr kumimoji="1" lang="en-US" altLang="ja-JP" dirty="0"/>
               <a:t>, Olivier </a:t>
             </a:r>
             <a:r>
-              <a:rPr lang="en-US" altLang="ja-JP" dirty="0" err="1"/>
+              <a:rPr kumimoji="1" lang="en-US" altLang="ja-JP" dirty="0" err="1"/>
               <a:t>Bachem</a:t>
             </a:r>
             <a:r>
-              <a:rPr lang="en-US" altLang="ja-JP" dirty="0"/>
-              <a:t>, ICML2019</a:t>
+              <a:rPr kumimoji="1" lang="en-US" altLang="ja-JP" dirty="0"/>
+              <a:t>, </a:t>
+            </a:r>
+            <a:r>
+              <a:rPr kumimoji="1" lang="en-US" altLang="ja-JP" dirty="0" err="1"/>
+              <a:t>Micael</a:t>
+            </a:r>
+            <a:r>
+              <a:rPr kumimoji="1" lang="en-US" altLang="ja-JP" dirty="0"/>
+              <a:t> </a:t>
+            </a:r>
+            <a:r>
+              <a:rPr kumimoji="1" lang="en-US" altLang="ja-JP" dirty="0" err="1"/>
+              <a:t>Tschannen</a:t>
+            </a:r>
+            <a:r>
+              <a:rPr kumimoji="1" lang="en-US" altLang="ja-JP" dirty="0"/>
+              <a:t>,</a:t>
+            </a:r>
+          </a:p>
+          <a:p>
+            <a:pPr algn="ctr"/>
+            <a:r>
+              <a:rPr kumimoji="1" lang="en-US" altLang="ja-JP" dirty="0"/>
+              <a:t>ICML2020</a:t>
             </a:r>
             <a:endParaRPr kumimoji="1" lang="ja-JP" altLang="en-US" dirty="0"/>
           </a:p>
@@ -3960,10 +3959,10 @@
       </p:sp>
       <p:sp>
         <p:nvSpPr>
-          <p:cNvPr id="3" name="テキスト ボックス 2">
-            <a:extLst>
-              <a:ext uri="{FF2B5EF4-FFF2-40B4-BE49-F238E27FC236}">
-                <a16:creationId xmlns:a16="http://schemas.microsoft.com/office/drawing/2014/main" id="{9E76AF74-D0AA-3540-9F50-972CB21DF5B3}"/>
+          <p:cNvPr id="13" name="テキスト ボックス 12">
+            <a:extLst>
+              <a:ext uri="{FF2B5EF4-FFF2-40B4-BE49-F238E27FC236}">
+                <a16:creationId xmlns:a16="http://schemas.microsoft.com/office/drawing/2014/main" id="{2AFB2612-BF3C-CF4C-A6D4-6E8F013A9D3F}"/>
               </a:ext>
             </a:extLst>
           </p:cNvPr>
@@ -3972,8 +3971,8 @@
         </p:nvSpPr>
         <p:spPr>
           <a:xfrm>
-            <a:off x="550983" y="2573268"/>
-            <a:ext cx="3856893" cy="830997"/>
+            <a:off x="550981" y="4064046"/>
+            <a:ext cx="3856893" cy="1015663"/>
           </a:xfrm>
           <a:prstGeom prst="rect">
             <a:avLst/>
@@ -3988,96 +3987,46 @@
           <a:p>
             <a:r>
               <a:rPr kumimoji="1" lang="ja-DE" altLang="en-US" sz="1200" dirty="0"/>
-              <a:t>教師なしの</a:t>
+              <a:t>これまでの</a:t>
             </a:r>
             <a:r>
               <a:rPr kumimoji="1" lang="en-US" altLang="ja-DE" sz="1200" dirty="0"/>
-              <a:t>Disentangled Representation</a:t>
+              <a:t>Weakly-supervised</a:t>
             </a:r>
             <a:r>
               <a:rPr kumimoji="1" lang="ja-DE" altLang="en-US" sz="1200" dirty="0"/>
-              <a:t>は適切な機能バイアスがモデル・データの双方になければ不可能であることを理論・実験の双方から指摘した論文。</a:t>
+              <a:t>な</a:t>
             </a:r>
             <a:r>
               <a:rPr kumimoji="1" lang="en-US" altLang="ja-DE" sz="1200" dirty="0"/>
-              <a:t>ICML2019</a:t>
+              <a:t>Disentanglement</a:t>
             </a:r>
             <a:r>
               <a:rPr kumimoji="1" lang="ja-DE" altLang="en-US" sz="1200" dirty="0"/>
-              <a:t>ベストペーパー。</a:t>
-            </a:r>
-          </a:p>
-        </p:txBody>
-      </p:sp>
-      <p:sp>
-        <p:nvSpPr>
-          <p:cNvPr id="13" name="テキスト ボックス 12">
-            <a:extLst>
-              <a:ext uri="{FF2B5EF4-FFF2-40B4-BE49-F238E27FC236}">
-                <a16:creationId xmlns:a16="http://schemas.microsoft.com/office/drawing/2014/main" id="{2AFB2612-BF3C-CF4C-A6D4-6E8F013A9D3F}"/>
-              </a:ext>
-            </a:extLst>
-          </p:cNvPr>
-          <p:cNvSpPr txBox="1"/>
-          <p:nvPr/>
-        </p:nvSpPr>
-        <p:spPr>
-          <a:xfrm>
-            <a:off x="550982" y="4127215"/>
-            <a:ext cx="3856893" cy="830997"/>
-          </a:xfrm>
-          <a:prstGeom prst="rect">
-            <a:avLst/>
-          </a:prstGeom>
-          <a:noFill/>
-        </p:spPr>
-        <p:txBody>
-          <a:bodyPr wrap="square" rtlCol="0">
-            <a:spAutoFit/>
-          </a:bodyPr>
-          <a:lstStyle/>
-          <a:p>
+              <a:t>の手法は同時に変化しうる要素が一つまで、と言った現実的でない仮定を用いることがあったが、提案手法では、ペアの画像の間ではいくつかの要素</a:t>
+            </a:r>
+            <a:r>
+              <a:rPr kumimoji="1" lang="en-US" altLang="ja-DE" sz="1200" dirty="0"/>
+              <a:t>(</a:t>
+            </a:r>
             <a:r>
               <a:rPr kumimoji="1" lang="ja-DE" altLang="en-US" sz="1200" dirty="0"/>
-              <a:t>分野の</a:t>
+              <a:t>全部ではない</a:t>
             </a:r>
             <a:r>
               <a:rPr kumimoji="1" lang="en-US" altLang="ja-DE" sz="1200" dirty="0"/>
-              <a:t>mainstream</a:t>
+              <a:t>)</a:t>
             </a:r>
             <a:r>
               <a:rPr kumimoji="1" lang="ja-DE" altLang="en-US" sz="1200" dirty="0"/>
-              <a:t>である</a:t>
-            </a:r>
-            <a:r>
-              <a:rPr kumimoji="1" lang="en-US" altLang="ja-DE" sz="1200" dirty="0"/>
-              <a:t>VAE</a:t>
-            </a:r>
-            <a:r>
-              <a:rPr kumimoji="1" lang="ja-DE" altLang="en-US" sz="1200" dirty="0"/>
-              <a:t>ベースの教師なし</a:t>
-            </a:r>
-            <a:r>
-              <a:rPr kumimoji="1" lang="en-US" altLang="ja-DE" sz="1200" dirty="0"/>
-              <a:t>disentanglement</a:t>
-            </a:r>
-            <a:r>
-              <a:rPr kumimoji="1" lang="ja-DE" altLang="en-US" sz="1200" dirty="0"/>
-              <a:t>の前提に疑問を投げかけ理論的な解析からその不可能性を示した上で</a:t>
-            </a:r>
-            <a:r>
-              <a:rPr kumimoji="1" lang="en-US" altLang="ja-DE" sz="1200" dirty="0"/>
-              <a:t>12000model</a:t>
-            </a:r>
-            <a:r>
-              <a:rPr kumimoji="1" lang="ja-DE" altLang="en-US" sz="1200" dirty="0"/>
-              <a:t>以上の学習を通してそれを確認している</a:t>
-            </a:r>
-          </a:p>
-        </p:txBody>
-      </p:sp>
-      <mc:AlternateContent xmlns:mc="http://schemas.openxmlformats.org/markup-compatibility/2006" xmlns:a14="http://schemas.microsoft.com/office/drawing/2010/main">
-        <mc:Choice Requires="a14">
+              <a:t>が変化しているということがわかれば良い。</a:t>
+            </a:r>
+            <a:endParaRPr kumimoji="1" lang="en-US" altLang="ja-DE" sz="1200" dirty="0"/>
+          </a:p>
+        </p:txBody>
+      </p:sp>
+      <mc:AlternateContent xmlns:mc="http://schemas.openxmlformats.org/markup-compatibility/2006">
+        <mc:Choice xmlns:a14="http://schemas.microsoft.com/office/drawing/2010/main" Requires="a14">
           <p:sp>
             <p:nvSpPr>
               <p:cNvPr id="14" name="テキスト ボックス 13">
@@ -4093,7 +4042,7 @@
             <p:spPr>
               <a:xfrm>
                 <a:off x="550982" y="5417065"/>
-                <a:ext cx="3856893" cy="1200329"/>
+                <a:ext cx="3856893" cy="1504707"/>
               </a:xfrm>
               <a:prstGeom prst="rect">
                 <a:avLst/>
@@ -4107,12 +4056,8 @@
               <a:lstStyle/>
               <a:p>
                 <a:r>
-                  <a:rPr kumimoji="1" lang="en-US" altLang="ja-DE" sz="1200" dirty="0"/>
-                  <a:t>Disentangle</a:t>
-                </a:r>
-                <a:r>
                   <a:rPr kumimoji="1" lang="ja-DE" altLang="en-US" sz="1200" dirty="0"/>
-                  <a:t>された真の分布</a:t>
+                  <a:t>証明の方はわからなかった・・・。二つの</a:t>
                 </a:r>
                 <a14:m>
                   <m:oMath xmlns:m="http://schemas.openxmlformats.org/officeDocument/2006/math">
@@ -4120,116 +4065,1383 @@
                       <a:rPr kumimoji="1" lang="en-US" altLang="ja-DE" sz="1200" b="0" i="1" smtClean="0">
                         <a:latin typeface="Cambria Math" panose="02040503050406030204" pitchFamily="18" charset="0"/>
                       </a:rPr>
-                      <m:t>𝑃</m:t>
+                      <m:t>𝛽</m:t>
                     </m:r>
+                  </m:oMath>
+                </a14:m>
+                <a:r>
+                  <a:rPr kumimoji="1" lang="en-US" altLang="ja-DE" sz="1200" dirty="0"/>
+                  <a:t>-VAE</a:t>
+                </a:r>
+                <a:r>
+                  <a:rPr kumimoji="1" lang="ja-DE" altLang="en-US" sz="1200" dirty="0"/>
+                  <a:t>を用いてペアの画像をエンコード、それぞれの</a:t>
+                </a:r>
+                <a14:m>
+                  <m:oMath xmlns:m="http://schemas.openxmlformats.org/officeDocument/2006/math">
+                    <m:sSub>
+                      <m:sSubPr>
+                        <m:ctrlPr>
+                          <a:rPr kumimoji="1" lang="en-US" altLang="ja-DE" sz="1200" b="0" i="1" smtClean="0">
+                            <a:latin typeface="Cambria Math" panose="02040503050406030204" pitchFamily="18" charset="0"/>
+                          </a:rPr>
+                        </m:ctrlPr>
+                      </m:sSubPr>
+                      <m:e>
+                        <m:r>
+                          <a:rPr kumimoji="1" lang="en-US" altLang="ja-DE" sz="1200" b="0" i="1" smtClean="0">
+                            <a:latin typeface="Cambria Math" panose="02040503050406030204" pitchFamily="18" charset="0"/>
+                          </a:rPr>
+                          <m:t>𝐷</m:t>
+                        </m:r>
+                      </m:e>
+                      <m:sub>
+                        <m:r>
+                          <a:rPr kumimoji="1" lang="en-US" altLang="ja-DE" sz="1200" b="0" i="1" smtClean="0">
+                            <a:latin typeface="Cambria Math" panose="02040503050406030204" pitchFamily="18" charset="0"/>
+                          </a:rPr>
+                          <m:t>𝐾𝐿</m:t>
+                        </m:r>
+                      </m:sub>
+                    </m:sSub>
                     <m:r>
                       <a:rPr kumimoji="1" lang="en-US" altLang="ja-DE" sz="1200" b="0" i="1" smtClean="0">
                         <a:latin typeface="Cambria Math" panose="02040503050406030204" pitchFamily="18" charset="0"/>
                       </a:rPr>
                       <m:t>(</m:t>
                     </m:r>
-                    <m:r>
-                      <a:rPr kumimoji="1" lang="en-US" altLang="ja-DE" sz="1200" b="0" i="1" smtClean="0">
-                        <a:latin typeface="Cambria Math" panose="02040503050406030204" pitchFamily="18" charset="0"/>
-                      </a:rPr>
-                      <m:t>𝑧</m:t>
-                    </m:r>
-                    <m:r>
-                      <a:rPr kumimoji="1" lang="en-US" altLang="ja-DE" sz="1200" b="0" i="1" smtClean="0">
-                        <a:latin typeface="Cambria Math" panose="02040503050406030204" pitchFamily="18" charset="0"/>
-                      </a:rPr>
-                      <m:t>)</m:t>
-                    </m:r>
-                  </m:oMath>
-                </a14:m>
-                <a:r>
-                  <a:rPr kumimoji="1" lang="ja-DE" altLang="en-US" sz="1200" dirty="0"/>
-                  <a:t>に対して</a:t>
-                </a:r>
-                <a:r>
-                  <a:rPr kumimoji="1" lang="en-US" altLang="ja-DE" sz="1200" dirty="0" err="1"/>
-                  <a:t>engangle</a:t>
-                </a:r>
-                <a:r>
-                  <a:rPr kumimoji="1" lang="ja-DE" altLang="en-US" sz="1200" dirty="0"/>
-                  <a:t>された分布</a:t>
-                </a:r>
-                <a14:m>
-                  <m:oMath xmlns:m="http://schemas.openxmlformats.org/officeDocument/2006/math">
-                    <m:r>
-                      <a:rPr kumimoji="1" lang="en-US" altLang="ja-DE" sz="1200" b="0" i="1" smtClean="0">
-                        <a:latin typeface="Cambria Math" panose="02040503050406030204" pitchFamily="18" charset="0"/>
-                      </a:rPr>
-                      <m:t>𝑃</m:t>
-                    </m:r>
+                    <m:sSub>
+                      <m:sSubPr>
+                        <m:ctrlPr>
+                          <a:rPr kumimoji="1" lang="en-US" altLang="ja-DE" sz="1200" b="0" i="1" smtClean="0">
+                            <a:latin typeface="Cambria Math" panose="02040503050406030204" pitchFamily="18" charset="0"/>
+                          </a:rPr>
+                        </m:ctrlPr>
+                      </m:sSubPr>
+                      <m:e>
+                        <m:r>
+                          <a:rPr kumimoji="1" lang="en-US" altLang="ja-DE" sz="1200" b="0" i="1" smtClean="0">
+                            <a:latin typeface="Cambria Math" panose="02040503050406030204" pitchFamily="18" charset="0"/>
+                          </a:rPr>
+                          <m:t>𝑞</m:t>
+                        </m:r>
+                      </m:e>
+                      <m:sub>
+                        <m:r>
+                          <a:rPr kumimoji="1" lang="en-US" altLang="ja-DE" sz="1200" b="0" i="1" smtClean="0">
+                            <a:latin typeface="Cambria Math" panose="02040503050406030204" pitchFamily="18" charset="0"/>
+                          </a:rPr>
+                          <m:t>𝜙</m:t>
+                        </m:r>
+                      </m:sub>
+                    </m:sSub>
                     <m:r>
                       <a:rPr kumimoji="1" lang="en-US" altLang="ja-DE" sz="1200" b="0" i="1" smtClean="0">
                         <a:latin typeface="Cambria Math" panose="02040503050406030204" pitchFamily="18" charset="0"/>
                       </a:rPr>
                       <m:t>(</m:t>
                     </m:r>
-                    <m:r>
-                      <a:rPr kumimoji="1" lang="en-US" altLang="ja-DE" sz="1200" b="0" i="1" smtClean="0">
-                        <a:latin typeface="Cambria Math" panose="02040503050406030204" pitchFamily="18" charset="0"/>
-                      </a:rPr>
-                      <m:t>𝑓</m:t>
-                    </m:r>
-                    <m:d>
-                      <m:dPr>
+                    <m:sSub>
+                      <m:sSubPr>
                         <m:ctrlPr>
                           <a:rPr kumimoji="1" lang="en-US" altLang="ja-DE" sz="1200" b="0" i="1" smtClean="0">
                             <a:latin typeface="Cambria Math" panose="02040503050406030204" pitchFamily="18" charset="0"/>
                           </a:rPr>
                         </m:ctrlPr>
-                      </m:dPr>
+                      </m:sSubPr>
+                      <m:e>
+                        <m:acc>
+                          <m:accPr>
+                            <m:chr m:val="̂"/>
+                            <m:ctrlPr>
+                              <a:rPr kumimoji="1" lang="en-US" altLang="ja-DE" sz="1200" b="0" i="1" smtClean="0">
+                                <a:latin typeface="Cambria Math" panose="02040503050406030204" pitchFamily="18" charset="0"/>
+                              </a:rPr>
+                            </m:ctrlPr>
+                          </m:accPr>
+                          <m:e>
+                            <m:r>
+                              <a:rPr kumimoji="1" lang="en-US" altLang="ja-DE" sz="1200" b="0" i="1" smtClean="0">
+                                <a:latin typeface="Cambria Math" panose="02040503050406030204" pitchFamily="18" charset="0"/>
+                              </a:rPr>
+                              <m:t>𝑧</m:t>
+                            </m:r>
+                          </m:e>
+                        </m:acc>
+                      </m:e>
+                      <m:sub>
+                        <m:r>
+                          <a:rPr kumimoji="1" lang="en-US" altLang="ja-DE" sz="1200" b="0" i="1" smtClean="0">
+                            <a:latin typeface="Cambria Math" panose="02040503050406030204" pitchFamily="18" charset="0"/>
+                          </a:rPr>
+                          <m:t>𝑖</m:t>
+                        </m:r>
+                      </m:sub>
+                    </m:sSub>
+                    <m:r>
+                      <a:rPr kumimoji="1" lang="en-US" altLang="ja-DE" sz="1200" b="0" i="1" smtClean="0">
+                        <a:latin typeface="Cambria Math" panose="02040503050406030204" pitchFamily="18" charset="0"/>
+                      </a:rPr>
+                      <m:t>|</m:t>
+                    </m:r>
+                    <m:sSub>
+                      <m:sSubPr>
+                        <m:ctrlPr>
+                          <a:rPr kumimoji="1" lang="en-US" altLang="ja-DE" sz="1200" b="0" i="1" smtClean="0">
+                            <a:latin typeface="Cambria Math" panose="02040503050406030204" pitchFamily="18" charset="0"/>
+                          </a:rPr>
+                        </m:ctrlPr>
+                      </m:sSubPr>
                       <m:e>
                         <m:r>
                           <a:rPr kumimoji="1" lang="en-US" altLang="ja-DE" sz="1200" b="0" i="1" smtClean="0">
                             <a:latin typeface="Cambria Math" panose="02040503050406030204" pitchFamily="18" charset="0"/>
                           </a:rPr>
-                          <m:t>𝑧</m:t>
+                          <m:t>𝑥</m:t>
                         </m:r>
                       </m:e>
-                    </m:d>
+                      <m:sub>
+                        <m:r>
+                          <a:rPr kumimoji="1" lang="en-US" altLang="ja-DE" sz="1200" b="0" i="1" smtClean="0">
+                            <a:latin typeface="Cambria Math" panose="02040503050406030204" pitchFamily="18" charset="0"/>
+                          </a:rPr>
+                          <m:t>1</m:t>
+                        </m:r>
+                      </m:sub>
+                    </m:sSub>
                     <m:r>
                       <a:rPr kumimoji="1" lang="en-US" altLang="ja-DE" sz="1200" b="0" i="1" smtClean="0">
                         <a:latin typeface="Cambria Math" panose="02040503050406030204" pitchFamily="18" charset="0"/>
                       </a:rPr>
-                      <m:t>)</m:t>
+                      <m:t>)||</m:t>
+                    </m:r>
+                    <m:sSub>
+                      <m:sSubPr>
+                        <m:ctrlPr>
+                          <a:rPr kumimoji="1" lang="en-US" altLang="ja-DE" sz="1200" b="0" i="1" smtClean="0">
+                            <a:latin typeface="Cambria Math" panose="02040503050406030204" pitchFamily="18" charset="0"/>
+                          </a:rPr>
+                        </m:ctrlPr>
+                      </m:sSubPr>
+                      <m:e>
+                        <m:r>
+                          <a:rPr kumimoji="1" lang="en-US" altLang="ja-DE" sz="1200" b="0" i="1" smtClean="0">
+                            <a:latin typeface="Cambria Math" panose="02040503050406030204" pitchFamily="18" charset="0"/>
+                          </a:rPr>
+                          <m:t>𝑞</m:t>
+                        </m:r>
+                      </m:e>
+                      <m:sub>
+                        <m:r>
+                          <a:rPr kumimoji="1" lang="en-US" altLang="ja-DE" sz="1200" b="0" i="1" smtClean="0">
+                            <a:latin typeface="Cambria Math" panose="02040503050406030204" pitchFamily="18" charset="0"/>
+                          </a:rPr>
+                          <m:t>𝜙</m:t>
+                        </m:r>
+                      </m:sub>
+                    </m:sSub>
+                    <m:r>
+                      <a:rPr kumimoji="1" lang="en-US" altLang="ja-DE" sz="1200" b="0" i="1" smtClean="0">
+                        <a:latin typeface="Cambria Math" panose="02040503050406030204" pitchFamily="18" charset="0"/>
+                      </a:rPr>
+                      <m:t>(</m:t>
+                    </m:r>
+                    <m:sSub>
+                      <m:sSubPr>
+                        <m:ctrlPr>
+                          <a:rPr kumimoji="1" lang="en-US" altLang="ja-DE" sz="1200" b="0" i="1" smtClean="0">
+                            <a:latin typeface="Cambria Math" panose="02040503050406030204" pitchFamily="18" charset="0"/>
+                          </a:rPr>
+                        </m:ctrlPr>
+                      </m:sSubPr>
+                      <m:e>
+                        <m:acc>
+                          <m:accPr>
+                            <m:chr m:val="̂"/>
+                            <m:ctrlPr>
+                              <a:rPr kumimoji="1" lang="en-US" altLang="ja-DE" sz="1200" b="0" i="1" smtClean="0">
+                                <a:latin typeface="Cambria Math" panose="02040503050406030204" pitchFamily="18" charset="0"/>
+                              </a:rPr>
+                            </m:ctrlPr>
+                          </m:accPr>
+                          <m:e>
+                            <m:r>
+                              <a:rPr kumimoji="1" lang="en-US" altLang="ja-DE" sz="1200" b="0" i="1" smtClean="0">
+                                <a:latin typeface="Cambria Math" panose="02040503050406030204" pitchFamily="18" charset="0"/>
+                              </a:rPr>
+                              <m:t>𝑧</m:t>
+                            </m:r>
+                          </m:e>
+                        </m:acc>
+                      </m:e>
+                      <m:sub>
+                        <m:r>
+                          <a:rPr kumimoji="1" lang="en-US" altLang="ja-DE" sz="1200" b="0" i="1" smtClean="0">
+                            <a:latin typeface="Cambria Math" panose="02040503050406030204" pitchFamily="18" charset="0"/>
+                          </a:rPr>
+                          <m:t>𝑖</m:t>
+                        </m:r>
+                      </m:sub>
+                    </m:sSub>
+                    <m:r>
+                      <a:rPr kumimoji="1" lang="en-US" altLang="ja-DE" sz="1200" b="0" i="1" smtClean="0">
+                        <a:latin typeface="Cambria Math" panose="02040503050406030204" pitchFamily="18" charset="0"/>
+                      </a:rPr>
+                      <m:t>|</m:t>
+                    </m:r>
+                    <m:sSub>
+                      <m:sSubPr>
+                        <m:ctrlPr>
+                          <a:rPr kumimoji="1" lang="en-US" altLang="ja-DE" sz="1200" b="0" i="1" smtClean="0">
+                            <a:latin typeface="Cambria Math" panose="02040503050406030204" pitchFamily="18" charset="0"/>
+                          </a:rPr>
+                        </m:ctrlPr>
+                      </m:sSubPr>
+                      <m:e>
+                        <m:r>
+                          <a:rPr kumimoji="1" lang="en-US" altLang="ja-DE" sz="1200" b="0" i="1" smtClean="0">
+                            <a:latin typeface="Cambria Math" panose="02040503050406030204" pitchFamily="18" charset="0"/>
+                          </a:rPr>
+                          <m:t>𝑥</m:t>
+                        </m:r>
+                      </m:e>
+                      <m:sub>
+                        <m:r>
+                          <a:rPr kumimoji="1" lang="en-US" altLang="ja-DE" sz="1200" b="0" i="1" smtClean="0">
+                            <a:latin typeface="Cambria Math" panose="02040503050406030204" pitchFamily="18" charset="0"/>
+                          </a:rPr>
+                          <m:t>2</m:t>
+                        </m:r>
+                      </m:sub>
+                    </m:sSub>
+                    <m:r>
+                      <a:rPr kumimoji="1" lang="en-US" altLang="ja-DE" sz="1200" b="0" i="1" smtClean="0">
+                        <a:latin typeface="Cambria Math" panose="02040503050406030204" pitchFamily="18" charset="0"/>
+                      </a:rPr>
+                      <m:t>))</m:t>
                     </m:r>
                   </m:oMath>
                 </a14:m>
                 <a:r>
                   <a:rPr kumimoji="1" lang="ja-DE" altLang="en-US" sz="1200" dirty="0"/>
-                  <a:t>が無数に存在し、それらは同じ観測</a:t>
+                  <a:t>が最小となる潜在変数の集合が</a:t>
+                </a:r>
+                <a:r>
+                  <a:rPr kumimoji="1" lang="en-US" altLang="ja-DE" sz="1200" dirty="0"/>
+                  <a:t>shared</a:t>
+                </a:r>
+                <a:r>
+                  <a:rPr kumimoji="1" lang="ja-DE" altLang="en-US" sz="1200" dirty="0"/>
+                  <a:t>であるとして</a:t>
+                </a:r>
+                <a:r>
+                  <a:rPr kumimoji="1" lang="en-US" altLang="ja-DE" sz="1200" dirty="0"/>
+                  <a:t>aggregate</a:t>
+                </a:r>
+                <a:r>
+                  <a:rPr kumimoji="1" lang="ja-DE" altLang="en-US" sz="1200" dirty="0"/>
+                  <a:t>する。その上で学習では</a:t>
                 </a:r>
                 <a14:m>
                   <m:oMath xmlns:m="http://schemas.openxmlformats.org/officeDocument/2006/math">
-                    <m:r>
-                      <a:rPr kumimoji="1" lang="en-US" altLang="ja-DE" sz="1200" b="0" i="1" smtClean="0">
-                        <a:latin typeface="Cambria Math" panose="02040503050406030204" pitchFamily="18" charset="0"/>
-                      </a:rPr>
-                      <m:t>𝑥</m:t>
-                    </m:r>
+                    <m:func>
+                      <m:funcPr>
+                        <m:ctrlPr>
+                          <a:rPr kumimoji="1" lang="en-US" altLang="ja-DE" sz="1200" b="0" i="1" smtClean="0">
+                            <a:latin typeface="Cambria Math" panose="02040503050406030204" pitchFamily="18" charset="0"/>
+                          </a:rPr>
+                        </m:ctrlPr>
+                      </m:funcPr>
+                      <m:fName>
+                        <m:limLow>
+                          <m:limLowPr>
+                            <m:ctrlPr>
+                              <a:rPr kumimoji="1" lang="en-US" altLang="ja-DE" sz="1200" b="0" i="1" smtClean="0">
+                                <a:latin typeface="Cambria Math" panose="02040503050406030204" pitchFamily="18" charset="0"/>
+                              </a:rPr>
+                            </m:ctrlPr>
+                          </m:limLowPr>
+                          <m:e>
+                            <m:r>
+                              <m:rPr>
+                                <m:sty m:val="p"/>
+                              </m:rPr>
+                              <a:rPr kumimoji="1" lang="en-US" altLang="ja-DE" sz="1200" b="0" i="0" smtClean="0">
+                                <a:latin typeface="Cambria Math" panose="02040503050406030204" pitchFamily="18" charset="0"/>
+                              </a:rPr>
+                              <m:t>max</m:t>
+                            </m:r>
+                          </m:e>
+                          <m:lim>
+                            <m:r>
+                              <a:rPr kumimoji="1" lang="en-US" altLang="ja-DE" sz="1200" b="0" i="1" smtClean="0">
+                                <a:latin typeface="Cambria Math" panose="02040503050406030204" pitchFamily="18" charset="0"/>
+                              </a:rPr>
+                              <m:t>𝜙</m:t>
+                            </m:r>
+                            <m:r>
+                              <a:rPr kumimoji="1" lang="en-US" altLang="ja-DE" sz="1200" b="0" i="1" smtClean="0">
+                                <a:latin typeface="Cambria Math" panose="02040503050406030204" pitchFamily="18" charset="0"/>
+                              </a:rPr>
+                              <m:t>,</m:t>
+                            </m:r>
+                            <m:r>
+                              <a:rPr kumimoji="1" lang="en-US" altLang="ja-DE" sz="1200" b="0" i="1" smtClean="0">
+                                <a:latin typeface="Cambria Math" panose="02040503050406030204" pitchFamily="18" charset="0"/>
+                              </a:rPr>
+                              <m:t>𝜃</m:t>
+                            </m:r>
+                          </m:lim>
+                        </m:limLow>
+                      </m:fName>
+                      <m:e>
+                        <m:sSub>
+                          <m:sSubPr>
+                            <m:ctrlPr>
+                              <a:rPr kumimoji="1" lang="en-US" altLang="ja-DE" sz="1200" b="0" i="1" smtClean="0">
+                                <a:latin typeface="Cambria Math" panose="02040503050406030204" pitchFamily="18" charset="0"/>
+                                <a:ea typeface="Cambria Math" panose="02040503050406030204" pitchFamily="18" charset="0"/>
+                              </a:rPr>
+                            </m:ctrlPr>
+                          </m:sSubPr>
+                          <m:e>
+                            <m:r>
+                              <a:rPr kumimoji="1" lang="en-US" altLang="ja-DE" sz="1200" b="0" i="1" smtClean="0">
+                                <a:latin typeface="Cambria Math" panose="02040503050406030204" pitchFamily="18" charset="0"/>
+                                <a:ea typeface="Cambria Math" panose="02040503050406030204" pitchFamily="18" charset="0"/>
+                              </a:rPr>
+                              <m:t>𝔼</m:t>
+                            </m:r>
+                          </m:e>
+                          <m:sub>
+                            <m:sSub>
+                              <m:sSubPr>
+                                <m:ctrlPr>
+                                  <a:rPr kumimoji="1" lang="en-US" altLang="ja-DE" sz="1200" b="0" i="1" smtClean="0">
+                                    <a:latin typeface="Cambria Math" panose="02040503050406030204" pitchFamily="18" charset="0"/>
+                                    <a:ea typeface="Cambria Math" panose="02040503050406030204" pitchFamily="18" charset="0"/>
+                                  </a:rPr>
+                                </m:ctrlPr>
+                              </m:sSubPr>
+                              <m:e>
+                                <m:r>
+                                  <a:rPr kumimoji="1" lang="en-US" altLang="ja-DE" sz="1200" b="0" i="1" smtClean="0">
+                                    <a:latin typeface="Cambria Math" panose="02040503050406030204" pitchFamily="18" charset="0"/>
+                                    <a:ea typeface="Cambria Math" panose="02040503050406030204" pitchFamily="18" charset="0"/>
+                                  </a:rPr>
+                                  <m:t>𝑥</m:t>
+                                </m:r>
+                              </m:e>
+                              <m:sub>
+                                <m:r>
+                                  <a:rPr kumimoji="1" lang="en-US" altLang="ja-DE" sz="1200" b="0" i="1" smtClean="0">
+                                    <a:latin typeface="Cambria Math" panose="02040503050406030204" pitchFamily="18" charset="0"/>
+                                    <a:ea typeface="Cambria Math" panose="02040503050406030204" pitchFamily="18" charset="0"/>
+                                  </a:rPr>
+                                  <m:t>1</m:t>
+                                </m:r>
+                              </m:sub>
+                            </m:sSub>
+                            <m:r>
+                              <a:rPr kumimoji="1" lang="en-US" altLang="ja-DE" sz="1200" b="0" i="1" smtClean="0">
+                                <a:latin typeface="Cambria Math" panose="02040503050406030204" pitchFamily="18" charset="0"/>
+                                <a:ea typeface="Cambria Math" panose="02040503050406030204" pitchFamily="18" charset="0"/>
+                              </a:rPr>
+                              <m:t>,</m:t>
+                            </m:r>
+                            <m:sSub>
+                              <m:sSubPr>
+                                <m:ctrlPr>
+                                  <a:rPr kumimoji="1" lang="en-US" altLang="ja-DE" sz="1200" b="0" i="1" smtClean="0">
+                                    <a:latin typeface="Cambria Math" panose="02040503050406030204" pitchFamily="18" charset="0"/>
+                                    <a:ea typeface="Cambria Math" panose="02040503050406030204" pitchFamily="18" charset="0"/>
+                                  </a:rPr>
+                                </m:ctrlPr>
+                              </m:sSubPr>
+                              <m:e>
+                                <m:r>
+                                  <a:rPr kumimoji="1" lang="en-US" altLang="ja-DE" sz="1200" b="0" i="1" smtClean="0">
+                                    <a:latin typeface="Cambria Math" panose="02040503050406030204" pitchFamily="18" charset="0"/>
+                                    <a:ea typeface="Cambria Math" panose="02040503050406030204" pitchFamily="18" charset="0"/>
+                                  </a:rPr>
+                                  <m:t>𝑥</m:t>
+                                </m:r>
+                              </m:e>
+                              <m:sub>
+                                <m:r>
+                                  <a:rPr kumimoji="1" lang="en-US" altLang="ja-DE" sz="1200" b="0" i="1" smtClean="0">
+                                    <a:latin typeface="Cambria Math" panose="02040503050406030204" pitchFamily="18" charset="0"/>
+                                    <a:ea typeface="Cambria Math" panose="02040503050406030204" pitchFamily="18" charset="0"/>
+                                  </a:rPr>
+                                  <m:t>2</m:t>
+                                </m:r>
+                              </m:sub>
+                            </m:sSub>
+                          </m:sub>
+                        </m:sSub>
+                        <m:func>
+                          <m:funcPr>
+                            <m:ctrlPr>
+                              <a:rPr kumimoji="1" lang="en-US" altLang="ja-DE" sz="1200" b="0" i="1" smtClean="0">
+                                <a:latin typeface="Cambria Math" panose="02040503050406030204" pitchFamily="18" charset="0"/>
+                                <a:ea typeface="Cambria Math" panose="02040503050406030204" pitchFamily="18" charset="0"/>
+                              </a:rPr>
+                            </m:ctrlPr>
+                          </m:funcPr>
+                          <m:fName>
+                            <m:sSub>
+                              <m:sSubPr>
+                                <m:ctrlPr>
+                                  <a:rPr kumimoji="1" lang="en-US" altLang="ja-DE" sz="1200" b="0" i="1" smtClean="0">
+                                    <a:latin typeface="Cambria Math" panose="02040503050406030204" pitchFamily="18" charset="0"/>
+                                    <a:ea typeface="Cambria Math" panose="02040503050406030204" pitchFamily="18" charset="0"/>
+                                  </a:rPr>
+                                </m:ctrlPr>
+                              </m:sSubPr>
+                              <m:e>
+                                <m:r>
+                                  <a:rPr kumimoji="1" lang="en-US" altLang="ja-DE" sz="1200" b="0" i="1" smtClean="0">
+                                    <a:latin typeface="Cambria Math" panose="02040503050406030204" pitchFamily="18" charset="0"/>
+                                    <a:ea typeface="Cambria Math" panose="02040503050406030204" pitchFamily="18" charset="0"/>
+                                  </a:rPr>
+                                  <m:t>𝔼</m:t>
+                                </m:r>
+                              </m:e>
+                              <m:sub>
+                                <m:sSub>
+                                  <m:sSubPr>
+                                    <m:ctrlPr>
+                                      <a:rPr kumimoji="1" lang="en-US" altLang="ja-DE" sz="1200" b="0" i="1" smtClean="0">
+                                        <a:latin typeface="Cambria Math" panose="02040503050406030204" pitchFamily="18" charset="0"/>
+                                        <a:ea typeface="Cambria Math" panose="02040503050406030204" pitchFamily="18" charset="0"/>
+                                      </a:rPr>
+                                    </m:ctrlPr>
+                                  </m:sSubPr>
+                                  <m:e>
+                                    <m:acc>
+                                      <m:accPr>
+                                        <m:chr m:val="̃"/>
+                                        <m:ctrlPr>
+                                          <a:rPr kumimoji="1" lang="en-US" altLang="ja-DE" sz="1200" b="0" i="1" smtClean="0">
+                                            <a:latin typeface="Cambria Math" panose="02040503050406030204" pitchFamily="18" charset="0"/>
+                                            <a:ea typeface="Cambria Math" panose="02040503050406030204" pitchFamily="18" charset="0"/>
+                                          </a:rPr>
+                                        </m:ctrlPr>
+                                      </m:accPr>
+                                      <m:e>
+                                        <m:r>
+                                          <a:rPr kumimoji="1" lang="en-US" altLang="ja-DE" sz="1200" b="0" i="1" smtClean="0">
+                                            <a:latin typeface="Cambria Math" panose="02040503050406030204" pitchFamily="18" charset="0"/>
+                                            <a:ea typeface="Cambria Math" panose="02040503050406030204" pitchFamily="18" charset="0"/>
+                                          </a:rPr>
+                                          <m:t>𝑞</m:t>
+                                        </m:r>
+                                      </m:e>
+                                    </m:acc>
+                                  </m:e>
+                                  <m:sub>
+                                    <m:r>
+                                      <a:rPr kumimoji="1" lang="en-US" altLang="ja-DE" sz="1200" b="0" i="1" smtClean="0">
+                                        <a:latin typeface="Cambria Math" panose="02040503050406030204" pitchFamily="18" charset="0"/>
+                                        <a:ea typeface="Cambria Math" panose="02040503050406030204" pitchFamily="18" charset="0"/>
+                                      </a:rPr>
+                                      <m:t>𝜙</m:t>
+                                    </m:r>
+                                  </m:sub>
+                                </m:sSub>
+                                <m:d>
+                                  <m:dPr>
+                                    <m:ctrlPr>
+                                      <a:rPr kumimoji="1" lang="en-US" altLang="ja-DE" sz="1200" b="0" i="1" smtClean="0">
+                                        <a:latin typeface="Cambria Math" panose="02040503050406030204" pitchFamily="18" charset="0"/>
+                                        <a:ea typeface="Cambria Math" panose="02040503050406030204" pitchFamily="18" charset="0"/>
+                                      </a:rPr>
+                                    </m:ctrlPr>
+                                  </m:dPr>
+                                  <m:e>
+                                    <m:acc>
+                                      <m:accPr>
+                                        <m:chr m:val="̂"/>
+                                        <m:ctrlPr>
+                                          <a:rPr kumimoji="1" lang="en-US" altLang="ja-DE" sz="1200" b="0" i="1" smtClean="0">
+                                            <a:latin typeface="Cambria Math" panose="02040503050406030204" pitchFamily="18" charset="0"/>
+                                            <a:ea typeface="Cambria Math" panose="02040503050406030204" pitchFamily="18" charset="0"/>
+                                          </a:rPr>
+                                        </m:ctrlPr>
+                                      </m:accPr>
+                                      <m:e>
+                                        <m:r>
+                                          <a:rPr kumimoji="1" lang="en-US" altLang="ja-DE" sz="1200" b="0" i="1" smtClean="0">
+                                            <a:latin typeface="Cambria Math" panose="02040503050406030204" pitchFamily="18" charset="0"/>
+                                            <a:ea typeface="Cambria Math" panose="02040503050406030204" pitchFamily="18" charset="0"/>
+                                          </a:rPr>
+                                          <m:t>𝑧</m:t>
+                                        </m:r>
+                                      </m:e>
+                                    </m:acc>
+                                  </m:e>
+                                  <m:e>
+                                    <m:sSub>
+                                      <m:sSubPr>
+                                        <m:ctrlPr>
+                                          <a:rPr kumimoji="1" lang="en-US" altLang="ja-DE" sz="1200" b="0" i="1" smtClean="0">
+                                            <a:latin typeface="Cambria Math" panose="02040503050406030204" pitchFamily="18" charset="0"/>
+                                            <a:ea typeface="Cambria Math" panose="02040503050406030204" pitchFamily="18" charset="0"/>
+                                          </a:rPr>
+                                        </m:ctrlPr>
+                                      </m:sSubPr>
+                                      <m:e>
+                                        <m:r>
+                                          <a:rPr kumimoji="1" lang="en-US" altLang="ja-DE" sz="1200" b="0" i="1" smtClean="0">
+                                            <a:latin typeface="Cambria Math" panose="02040503050406030204" pitchFamily="18" charset="0"/>
+                                            <a:ea typeface="Cambria Math" panose="02040503050406030204" pitchFamily="18" charset="0"/>
+                                          </a:rPr>
+                                          <m:t>𝑥</m:t>
+                                        </m:r>
+                                      </m:e>
+                                      <m:sub>
+                                        <m:r>
+                                          <a:rPr kumimoji="1" lang="en-US" altLang="ja-DE" sz="1200" b="0" i="1" smtClean="0">
+                                            <a:latin typeface="Cambria Math" panose="02040503050406030204" pitchFamily="18" charset="0"/>
+                                            <a:ea typeface="Cambria Math" panose="02040503050406030204" pitchFamily="18" charset="0"/>
+                                          </a:rPr>
+                                          <m:t>1</m:t>
+                                        </m:r>
+                                      </m:sub>
+                                    </m:sSub>
+                                  </m:e>
+                                </m:d>
+                              </m:sub>
+                            </m:sSub>
+                          </m:fName>
+                          <m:e>
+                            <m:func>
+                              <m:funcPr>
+                                <m:ctrlPr>
+                                  <a:rPr kumimoji="1" lang="en-US" altLang="ja-DE" sz="1200" b="0" i="1" smtClean="0">
+                                    <a:latin typeface="Cambria Math" panose="02040503050406030204" pitchFamily="18" charset="0"/>
+                                    <a:ea typeface="Cambria Math" panose="02040503050406030204" pitchFamily="18" charset="0"/>
+                                  </a:rPr>
+                                </m:ctrlPr>
+                              </m:funcPr>
+                              <m:fName>
+                                <m:r>
+                                  <m:rPr>
+                                    <m:sty m:val="p"/>
+                                  </m:rPr>
+                                  <a:rPr kumimoji="1" lang="en-US" altLang="ja-DE" sz="1200" b="0" i="0" smtClean="0">
+                                    <a:latin typeface="Cambria Math" panose="02040503050406030204" pitchFamily="18" charset="0"/>
+                                    <a:ea typeface="Cambria Math" panose="02040503050406030204" pitchFamily="18" charset="0"/>
+                                  </a:rPr>
+                                  <m:t>log</m:t>
+                                </m:r>
+                              </m:fName>
+                              <m:e>
+                                <m:d>
+                                  <m:dPr>
+                                    <m:ctrlPr>
+                                      <a:rPr kumimoji="1" lang="en-US" altLang="ja-DE" sz="1200" b="0" i="1" smtClean="0">
+                                        <a:latin typeface="Cambria Math" panose="02040503050406030204" pitchFamily="18" charset="0"/>
+                                        <a:ea typeface="Cambria Math" panose="02040503050406030204" pitchFamily="18" charset="0"/>
+                                      </a:rPr>
+                                    </m:ctrlPr>
+                                  </m:dPr>
+                                  <m:e>
+                                    <m:sSub>
+                                      <m:sSubPr>
+                                        <m:ctrlPr>
+                                          <a:rPr kumimoji="1" lang="en-US" altLang="ja-DE" sz="1200" b="0" i="1" smtClean="0">
+                                            <a:latin typeface="Cambria Math" panose="02040503050406030204" pitchFamily="18" charset="0"/>
+                                            <a:ea typeface="Cambria Math" panose="02040503050406030204" pitchFamily="18" charset="0"/>
+                                          </a:rPr>
+                                        </m:ctrlPr>
+                                      </m:sSubPr>
+                                      <m:e>
+                                        <m:r>
+                                          <a:rPr kumimoji="1" lang="en-US" altLang="ja-DE" sz="1200" b="0" i="1" smtClean="0">
+                                            <a:latin typeface="Cambria Math" panose="02040503050406030204" pitchFamily="18" charset="0"/>
+                                            <a:ea typeface="Cambria Math" panose="02040503050406030204" pitchFamily="18" charset="0"/>
+                                          </a:rPr>
+                                          <m:t>𝑝</m:t>
+                                        </m:r>
+                                      </m:e>
+                                      <m:sub>
+                                        <m:r>
+                                          <a:rPr kumimoji="1" lang="en-US" altLang="ja-DE" sz="1200" b="0" i="1" smtClean="0">
+                                            <a:latin typeface="Cambria Math" panose="02040503050406030204" pitchFamily="18" charset="0"/>
+                                            <a:ea typeface="Cambria Math" panose="02040503050406030204" pitchFamily="18" charset="0"/>
+                                          </a:rPr>
+                                          <m:t>𝜃</m:t>
+                                        </m:r>
+                                      </m:sub>
+                                    </m:sSub>
+                                    <m:d>
+                                      <m:dPr>
+                                        <m:ctrlPr>
+                                          <a:rPr kumimoji="1" lang="en-US" altLang="ja-DE" sz="1200" b="0" i="1" smtClean="0">
+                                            <a:latin typeface="Cambria Math" panose="02040503050406030204" pitchFamily="18" charset="0"/>
+                                            <a:ea typeface="Cambria Math" panose="02040503050406030204" pitchFamily="18" charset="0"/>
+                                          </a:rPr>
+                                        </m:ctrlPr>
+                                      </m:dPr>
+                                      <m:e>
+                                        <m:sSub>
+                                          <m:sSubPr>
+                                            <m:ctrlPr>
+                                              <a:rPr kumimoji="1" lang="en-US" altLang="ja-DE" sz="1200" b="0" i="1" smtClean="0">
+                                                <a:latin typeface="Cambria Math" panose="02040503050406030204" pitchFamily="18" charset="0"/>
+                                                <a:ea typeface="Cambria Math" panose="02040503050406030204" pitchFamily="18" charset="0"/>
+                                              </a:rPr>
+                                            </m:ctrlPr>
+                                          </m:sSubPr>
+                                          <m:e>
+                                            <m:r>
+                                              <a:rPr kumimoji="1" lang="en-US" altLang="ja-DE" sz="1200" b="0" i="1" smtClean="0">
+                                                <a:latin typeface="Cambria Math" panose="02040503050406030204" pitchFamily="18" charset="0"/>
+                                                <a:ea typeface="Cambria Math" panose="02040503050406030204" pitchFamily="18" charset="0"/>
+                                              </a:rPr>
+                                              <m:t>𝑥</m:t>
+                                            </m:r>
+                                          </m:e>
+                                          <m:sub>
+                                            <m:r>
+                                              <a:rPr kumimoji="1" lang="en-US" altLang="ja-DE" sz="1200" b="0" i="1" smtClean="0">
+                                                <a:latin typeface="Cambria Math" panose="02040503050406030204" pitchFamily="18" charset="0"/>
+                                                <a:ea typeface="Cambria Math" panose="02040503050406030204" pitchFamily="18" charset="0"/>
+                                              </a:rPr>
+                                              <m:t>1</m:t>
+                                            </m:r>
+                                          </m:sub>
+                                        </m:sSub>
+                                      </m:e>
+                                      <m:e>
+                                        <m:acc>
+                                          <m:accPr>
+                                            <m:chr m:val="̂"/>
+                                            <m:ctrlPr>
+                                              <a:rPr kumimoji="1" lang="en-US" altLang="ja-DE" sz="1200" b="0" i="1" smtClean="0">
+                                                <a:latin typeface="Cambria Math" panose="02040503050406030204" pitchFamily="18" charset="0"/>
+                                                <a:ea typeface="Cambria Math" panose="02040503050406030204" pitchFamily="18" charset="0"/>
+                                              </a:rPr>
+                                            </m:ctrlPr>
+                                          </m:accPr>
+                                          <m:e>
+                                            <m:r>
+                                              <a:rPr kumimoji="1" lang="en-US" altLang="ja-DE" sz="1200" b="0" i="1" smtClean="0">
+                                                <a:latin typeface="Cambria Math" panose="02040503050406030204" pitchFamily="18" charset="0"/>
+                                                <a:ea typeface="Cambria Math" panose="02040503050406030204" pitchFamily="18" charset="0"/>
+                                              </a:rPr>
+                                              <m:t>𝑧</m:t>
+                                            </m:r>
+                                          </m:e>
+                                        </m:acc>
+                                      </m:e>
+                                    </m:d>
+                                  </m:e>
+                                </m:d>
+                              </m:e>
+                            </m:func>
+                            <m:r>
+                              <a:rPr kumimoji="1" lang="en-US" altLang="ja-DE" sz="1200" b="0" i="1" smtClean="0">
+                                <a:latin typeface="Cambria Math" panose="02040503050406030204" pitchFamily="18" charset="0"/>
+                                <a:ea typeface="Cambria Math" panose="02040503050406030204" pitchFamily="18" charset="0"/>
+                              </a:rPr>
+                              <m:t>+</m:t>
+                            </m:r>
+                            <m:sSub>
+                              <m:sSubPr>
+                                <m:ctrlPr>
+                                  <a:rPr kumimoji="1" lang="en-US" altLang="ja-DE" sz="1200" b="0" i="1" smtClean="0">
+                                    <a:latin typeface="Cambria Math" panose="02040503050406030204" pitchFamily="18" charset="0"/>
+                                    <a:ea typeface="Cambria Math" panose="02040503050406030204" pitchFamily="18" charset="0"/>
+                                  </a:rPr>
+                                </m:ctrlPr>
+                              </m:sSubPr>
+                              <m:e>
+                                <m:r>
+                                  <a:rPr kumimoji="1" lang="en-US" altLang="ja-DE" sz="1200" b="0" i="1" smtClean="0">
+                                    <a:latin typeface="Cambria Math" panose="02040503050406030204" pitchFamily="18" charset="0"/>
+                                    <a:ea typeface="Cambria Math" panose="02040503050406030204" pitchFamily="18" charset="0"/>
+                                  </a:rPr>
+                                  <m:t>𝔼</m:t>
+                                </m:r>
+                              </m:e>
+                              <m:sub>
+                                <m:sSub>
+                                  <m:sSubPr>
+                                    <m:ctrlPr>
+                                      <a:rPr kumimoji="1" lang="en-US" altLang="ja-DE" sz="1200" b="0" i="1" smtClean="0">
+                                        <a:latin typeface="Cambria Math" panose="02040503050406030204" pitchFamily="18" charset="0"/>
+                                        <a:ea typeface="Cambria Math" panose="02040503050406030204" pitchFamily="18" charset="0"/>
+                                      </a:rPr>
+                                    </m:ctrlPr>
+                                  </m:sSubPr>
+                                  <m:e>
+                                    <m:acc>
+                                      <m:accPr>
+                                        <m:chr m:val="̃"/>
+                                        <m:ctrlPr>
+                                          <a:rPr kumimoji="1" lang="en-US" altLang="ja-DE" sz="1200" b="0" i="1" smtClean="0">
+                                            <a:latin typeface="Cambria Math" panose="02040503050406030204" pitchFamily="18" charset="0"/>
+                                            <a:ea typeface="Cambria Math" panose="02040503050406030204" pitchFamily="18" charset="0"/>
+                                          </a:rPr>
+                                        </m:ctrlPr>
+                                      </m:accPr>
+                                      <m:e>
+                                        <m:r>
+                                          <a:rPr kumimoji="1" lang="en-US" altLang="ja-DE" sz="1200" b="0" i="1" smtClean="0">
+                                            <a:latin typeface="Cambria Math" panose="02040503050406030204" pitchFamily="18" charset="0"/>
+                                            <a:ea typeface="Cambria Math" panose="02040503050406030204" pitchFamily="18" charset="0"/>
+                                          </a:rPr>
+                                          <m:t>𝑞</m:t>
+                                        </m:r>
+                                      </m:e>
+                                    </m:acc>
+                                  </m:e>
+                                  <m:sub>
+                                    <m:r>
+                                      <a:rPr kumimoji="1" lang="en-US" altLang="ja-DE" sz="1200" b="0" i="1" smtClean="0">
+                                        <a:latin typeface="Cambria Math" panose="02040503050406030204" pitchFamily="18" charset="0"/>
+                                        <a:ea typeface="Cambria Math" panose="02040503050406030204" pitchFamily="18" charset="0"/>
+                                      </a:rPr>
+                                      <m:t>𝜙</m:t>
+                                    </m:r>
+                                  </m:sub>
+                                </m:sSub>
+                                <m:d>
+                                  <m:dPr>
+                                    <m:ctrlPr>
+                                      <a:rPr kumimoji="1" lang="en-US" altLang="ja-DE" sz="1200" b="0" i="1" smtClean="0">
+                                        <a:latin typeface="Cambria Math" panose="02040503050406030204" pitchFamily="18" charset="0"/>
+                                        <a:ea typeface="Cambria Math" panose="02040503050406030204" pitchFamily="18" charset="0"/>
+                                      </a:rPr>
+                                    </m:ctrlPr>
+                                  </m:dPr>
+                                  <m:e>
+                                    <m:acc>
+                                      <m:accPr>
+                                        <m:chr m:val="̂"/>
+                                        <m:ctrlPr>
+                                          <a:rPr kumimoji="1" lang="en-US" altLang="ja-DE" sz="1200" b="0" i="1" smtClean="0">
+                                            <a:latin typeface="Cambria Math" panose="02040503050406030204" pitchFamily="18" charset="0"/>
+                                            <a:ea typeface="Cambria Math" panose="02040503050406030204" pitchFamily="18" charset="0"/>
+                                          </a:rPr>
+                                        </m:ctrlPr>
+                                      </m:accPr>
+                                      <m:e>
+                                        <m:r>
+                                          <a:rPr kumimoji="1" lang="en-US" altLang="ja-DE" sz="1200" b="0" i="1" smtClean="0">
+                                            <a:latin typeface="Cambria Math" panose="02040503050406030204" pitchFamily="18" charset="0"/>
+                                            <a:ea typeface="Cambria Math" panose="02040503050406030204" pitchFamily="18" charset="0"/>
+                                          </a:rPr>
+                                          <m:t>𝑧</m:t>
+                                        </m:r>
+                                      </m:e>
+                                    </m:acc>
+                                  </m:e>
+                                  <m:e>
+                                    <m:sSub>
+                                      <m:sSubPr>
+                                        <m:ctrlPr>
+                                          <a:rPr kumimoji="1" lang="en-US" altLang="ja-DE" sz="1200" b="0" i="1" smtClean="0">
+                                            <a:latin typeface="Cambria Math" panose="02040503050406030204" pitchFamily="18" charset="0"/>
+                                            <a:ea typeface="Cambria Math" panose="02040503050406030204" pitchFamily="18" charset="0"/>
+                                          </a:rPr>
+                                        </m:ctrlPr>
+                                      </m:sSubPr>
+                                      <m:e>
+                                        <m:r>
+                                          <a:rPr kumimoji="1" lang="en-US" altLang="ja-DE" sz="1200" b="0" i="1" smtClean="0">
+                                            <a:latin typeface="Cambria Math" panose="02040503050406030204" pitchFamily="18" charset="0"/>
+                                            <a:ea typeface="Cambria Math" panose="02040503050406030204" pitchFamily="18" charset="0"/>
+                                          </a:rPr>
+                                          <m:t>𝑥</m:t>
+                                        </m:r>
+                                      </m:e>
+                                      <m:sub>
+                                        <m:r>
+                                          <a:rPr kumimoji="1" lang="en-US" altLang="ja-DE" sz="1200" b="0" i="1" smtClean="0">
+                                            <a:latin typeface="Cambria Math" panose="02040503050406030204" pitchFamily="18" charset="0"/>
+                                            <a:ea typeface="Cambria Math" panose="02040503050406030204" pitchFamily="18" charset="0"/>
+                                          </a:rPr>
+                                          <m:t>2</m:t>
+                                        </m:r>
+                                      </m:sub>
+                                    </m:sSub>
+                                  </m:e>
+                                </m:d>
+                              </m:sub>
+                            </m:sSub>
+                            <m:func>
+                              <m:funcPr>
+                                <m:ctrlPr>
+                                  <a:rPr kumimoji="1" lang="en-US" altLang="ja-DE" sz="1200" b="0" i="1" smtClean="0">
+                                    <a:latin typeface="Cambria Math" panose="02040503050406030204" pitchFamily="18" charset="0"/>
+                                    <a:ea typeface="Cambria Math" panose="02040503050406030204" pitchFamily="18" charset="0"/>
+                                  </a:rPr>
+                                </m:ctrlPr>
+                              </m:funcPr>
+                              <m:fName>
+                                <m:r>
+                                  <m:rPr>
+                                    <m:sty m:val="p"/>
+                                  </m:rPr>
+                                  <a:rPr kumimoji="1" lang="en-US" altLang="ja-DE" sz="1200" b="0" i="0" smtClean="0">
+                                    <a:latin typeface="Cambria Math" panose="02040503050406030204" pitchFamily="18" charset="0"/>
+                                    <a:ea typeface="Cambria Math" panose="02040503050406030204" pitchFamily="18" charset="0"/>
+                                  </a:rPr>
+                                  <m:t>log</m:t>
+                                </m:r>
+                              </m:fName>
+                              <m:e>
+                                <m:d>
+                                  <m:dPr>
+                                    <m:ctrlPr>
+                                      <a:rPr kumimoji="1" lang="en-US" altLang="ja-DE" sz="1200" b="0" i="1" smtClean="0">
+                                        <a:latin typeface="Cambria Math" panose="02040503050406030204" pitchFamily="18" charset="0"/>
+                                        <a:ea typeface="Cambria Math" panose="02040503050406030204" pitchFamily="18" charset="0"/>
+                                      </a:rPr>
+                                    </m:ctrlPr>
+                                  </m:dPr>
+                                  <m:e>
+                                    <m:sSub>
+                                      <m:sSubPr>
+                                        <m:ctrlPr>
+                                          <a:rPr kumimoji="1" lang="en-US" altLang="ja-DE" sz="1200" b="0" i="1" smtClean="0">
+                                            <a:latin typeface="Cambria Math" panose="02040503050406030204" pitchFamily="18" charset="0"/>
+                                            <a:ea typeface="Cambria Math" panose="02040503050406030204" pitchFamily="18" charset="0"/>
+                                          </a:rPr>
+                                        </m:ctrlPr>
+                                      </m:sSubPr>
+                                      <m:e>
+                                        <m:r>
+                                          <a:rPr kumimoji="1" lang="en-US" altLang="ja-DE" sz="1200" b="0" i="1" smtClean="0">
+                                            <a:latin typeface="Cambria Math" panose="02040503050406030204" pitchFamily="18" charset="0"/>
+                                            <a:ea typeface="Cambria Math" panose="02040503050406030204" pitchFamily="18" charset="0"/>
+                                          </a:rPr>
+                                          <m:t>𝑝</m:t>
+                                        </m:r>
+                                      </m:e>
+                                      <m:sub>
+                                        <m:r>
+                                          <a:rPr kumimoji="1" lang="en-US" altLang="ja-DE" sz="1200" b="0" i="1" smtClean="0">
+                                            <a:latin typeface="Cambria Math" panose="02040503050406030204" pitchFamily="18" charset="0"/>
+                                            <a:ea typeface="Cambria Math" panose="02040503050406030204" pitchFamily="18" charset="0"/>
+                                          </a:rPr>
+                                          <m:t>𝜃</m:t>
+                                        </m:r>
+                                      </m:sub>
+                                    </m:sSub>
+                                    <m:d>
+                                      <m:dPr>
+                                        <m:ctrlPr>
+                                          <a:rPr kumimoji="1" lang="en-US" altLang="ja-DE" sz="1200" b="0" i="1" smtClean="0">
+                                            <a:latin typeface="Cambria Math" panose="02040503050406030204" pitchFamily="18" charset="0"/>
+                                            <a:ea typeface="Cambria Math" panose="02040503050406030204" pitchFamily="18" charset="0"/>
+                                          </a:rPr>
+                                        </m:ctrlPr>
+                                      </m:dPr>
+                                      <m:e>
+                                        <m:sSub>
+                                          <m:sSubPr>
+                                            <m:ctrlPr>
+                                              <a:rPr kumimoji="1" lang="en-US" altLang="ja-DE" sz="1200" b="0" i="1" smtClean="0">
+                                                <a:latin typeface="Cambria Math" panose="02040503050406030204" pitchFamily="18" charset="0"/>
+                                                <a:ea typeface="Cambria Math" panose="02040503050406030204" pitchFamily="18" charset="0"/>
+                                              </a:rPr>
+                                            </m:ctrlPr>
+                                          </m:sSubPr>
+                                          <m:e>
+                                            <m:r>
+                                              <a:rPr kumimoji="1" lang="en-US" altLang="ja-DE" sz="1200" b="0" i="1" smtClean="0">
+                                                <a:latin typeface="Cambria Math" panose="02040503050406030204" pitchFamily="18" charset="0"/>
+                                                <a:ea typeface="Cambria Math" panose="02040503050406030204" pitchFamily="18" charset="0"/>
+                                              </a:rPr>
+                                              <m:t>𝑥</m:t>
+                                            </m:r>
+                                          </m:e>
+                                          <m:sub>
+                                            <m:r>
+                                              <a:rPr kumimoji="1" lang="en-US" altLang="ja-DE" sz="1200" b="0" i="1" smtClean="0">
+                                                <a:latin typeface="Cambria Math" panose="02040503050406030204" pitchFamily="18" charset="0"/>
+                                                <a:ea typeface="Cambria Math" panose="02040503050406030204" pitchFamily="18" charset="0"/>
+                                              </a:rPr>
+                                              <m:t>2</m:t>
+                                            </m:r>
+                                          </m:sub>
+                                        </m:sSub>
+                                      </m:e>
+                                      <m:e>
+                                        <m:acc>
+                                          <m:accPr>
+                                            <m:chr m:val="̂"/>
+                                            <m:ctrlPr>
+                                              <a:rPr kumimoji="1" lang="en-US" altLang="ja-DE" sz="1200" b="0" i="1" smtClean="0">
+                                                <a:latin typeface="Cambria Math" panose="02040503050406030204" pitchFamily="18" charset="0"/>
+                                                <a:ea typeface="Cambria Math" panose="02040503050406030204" pitchFamily="18" charset="0"/>
+                                              </a:rPr>
+                                            </m:ctrlPr>
+                                          </m:accPr>
+                                          <m:e>
+                                            <m:r>
+                                              <a:rPr kumimoji="1" lang="en-US" altLang="ja-DE" sz="1200" b="0" i="1" smtClean="0">
+                                                <a:latin typeface="Cambria Math" panose="02040503050406030204" pitchFamily="18" charset="0"/>
+                                                <a:ea typeface="Cambria Math" panose="02040503050406030204" pitchFamily="18" charset="0"/>
+                                              </a:rPr>
+                                              <m:t>𝑧</m:t>
+                                            </m:r>
+                                          </m:e>
+                                        </m:acc>
+                                      </m:e>
+                                    </m:d>
+                                  </m:e>
+                                </m:d>
+                              </m:e>
+                            </m:func>
+                            <m:r>
+                              <a:rPr kumimoji="1" lang="en-US" altLang="ja-DE" sz="1200" b="0" i="1" smtClean="0">
+                                <a:latin typeface="Cambria Math" panose="02040503050406030204" pitchFamily="18" charset="0"/>
+                                <a:ea typeface="Cambria Math" panose="02040503050406030204" pitchFamily="18" charset="0"/>
+                              </a:rPr>
+                              <m:t>−</m:t>
+                            </m:r>
+                            <m:r>
+                              <a:rPr kumimoji="1" lang="en-US" altLang="ja-DE" sz="1200" b="0" i="1" smtClean="0">
+                                <a:latin typeface="Cambria Math" panose="02040503050406030204" pitchFamily="18" charset="0"/>
+                                <a:ea typeface="Cambria Math" panose="02040503050406030204" pitchFamily="18" charset="0"/>
+                              </a:rPr>
+                              <m:t>𝛽</m:t>
+                            </m:r>
+                            <m:sSub>
+                              <m:sSubPr>
+                                <m:ctrlPr>
+                                  <a:rPr kumimoji="1" lang="en-US" altLang="ja-DE" sz="1200" b="0" i="1" smtClean="0">
+                                    <a:latin typeface="Cambria Math" panose="02040503050406030204" pitchFamily="18" charset="0"/>
+                                    <a:ea typeface="Cambria Math" panose="02040503050406030204" pitchFamily="18" charset="0"/>
+                                  </a:rPr>
+                                </m:ctrlPr>
+                              </m:sSubPr>
+                              <m:e>
+                                <m:r>
+                                  <a:rPr kumimoji="1" lang="en-US" altLang="ja-DE" sz="1200" b="0" i="1" smtClean="0">
+                                    <a:latin typeface="Cambria Math" panose="02040503050406030204" pitchFamily="18" charset="0"/>
+                                    <a:ea typeface="Cambria Math" panose="02040503050406030204" pitchFamily="18" charset="0"/>
+                                  </a:rPr>
+                                  <m:t>𝐷</m:t>
+                                </m:r>
+                              </m:e>
+                              <m:sub>
+                                <m:r>
+                                  <a:rPr kumimoji="1" lang="en-US" altLang="ja-DE" sz="1200" b="0" i="1" smtClean="0">
+                                    <a:latin typeface="Cambria Math" panose="02040503050406030204" pitchFamily="18" charset="0"/>
+                                    <a:ea typeface="Cambria Math" panose="02040503050406030204" pitchFamily="18" charset="0"/>
+                                  </a:rPr>
+                                  <m:t>𝐾𝐿</m:t>
+                                </m:r>
+                              </m:sub>
+                            </m:sSub>
+                          </m:e>
+                        </m:func>
+                        <m:r>
+                          <a:rPr kumimoji="1" lang="en-US" altLang="ja-DE" sz="1200" b="0" i="1" smtClean="0">
+                            <a:latin typeface="Cambria Math" panose="02040503050406030204" pitchFamily="18" charset="0"/>
+                            <a:ea typeface="Cambria Math" panose="02040503050406030204" pitchFamily="18" charset="0"/>
+                          </a:rPr>
+                          <m:t>(</m:t>
+                        </m:r>
+                        <m:sSub>
+                          <m:sSubPr>
+                            <m:ctrlPr>
+                              <a:rPr kumimoji="1" lang="en-US" altLang="ja-DE" sz="1200" b="0" i="1" smtClean="0">
+                                <a:latin typeface="Cambria Math" panose="02040503050406030204" pitchFamily="18" charset="0"/>
+                                <a:ea typeface="Cambria Math" panose="02040503050406030204" pitchFamily="18" charset="0"/>
+                              </a:rPr>
+                            </m:ctrlPr>
+                          </m:sSubPr>
+                          <m:e>
+                            <m:acc>
+                              <m:accPr>
+                                <m:chr m:val="̃"/>
+                                <m:ctrlPr>
+                                  <a:rPr kumimoji="1" lang="en-US" altLang="ja-DE" sz="1200" b="0" i="1" smtClean="0">
+                                    <a:latin typeface="Cambria Math" panose="02040503050406030204" pitchFamily="18" charset="0"/>
+                                    <a:ea typeface="Cambria Math" panose="02040503050406030204" pitchFamily="18" charset="0"/>
+                                  </a:rPr>
+                                </m:ctrlPr>
+                              </m:accPr>
+                              <m:e>
+                                <m:r>
+                                  <a:rPr kumimoji="1" lang="en-US" altLang="ja-DE" sz="1200" b="0" i="1" smtClean="0">
+                                    <a:latin typeface="Cambria Math" panose="02040503050406030204" pitchFamily="18" charset="0"/>
+                                    <a:ea typeface="Cambria Math" panose="02040503050406030204" pitchFamily="18" charset="0"/>
+                                  </a:rPr>
+                                  <m:t>𝑞</m:t>
+                                </m:r>
+                              </m:e>
+                            </m:acc>
+                          </m:e>
+                          <m:sub>
+                            <m:r>
+                              <a:rPr kumimoji="1" lang="en-US" altLang="ja-DE" sz="1200" b="0" i="1" smtClean="0">
+                                <a:latin typeface="Cambria Math" panose="02040503050406030204" pitchFamily="18" charset="0"/>
+                                <a:ea typeface="Cambria Math" panose="02040503050406030204" pitchFamily="18" charset="0"/>
+                              </a:rPr>
+                              <m:t>𝜙</m:t>
+                            </m:r>
+                          </m:sub>
+                        </m:sSub>
+                        <m:d>
+                          <m:dPr>
+                            <m:ctrlPr>
+                              <a:rPr kumimoji="1" lang="en-US" altLang="ja-DE" sz="1200" b="0" i="1" smtClean="0">
+                                <a:latin typeface="Cambria Math" panose="02040503050406030204" pitchFamily="18" charset="0"/>
+                                <a:ea typeface="Cambria Math" panose="02040503050406030204" pitchFamily="18" charset="0"/>
+                              </a:rPr>
+                            </m:ctrlPr>
+                          </m:dPr>
+                          <m:e>
+                            <m:acc>
+                              <m:accPr>
+                                <m:chr m:val="̂"/>
+                                <m:ctrlPr>
+                                  <a:rPr kumimoji="1" lang="en-US" altLang="ja-DE" sz="1200" b="0" i="1" smtClean="0">
+                                    <a:latin typeface="Cambria Math" panose="02040503050406030204" pitchFamily="18" charset="0"/>
+                                    <a:ea typeface="Cambria Math" panose="02040503050406030204" pitchFamily="18" charset="0"/>
+                                  </a:rPr>
+                                </m:ctrlPr>
+                              </m:accPr>
+                              <m:e>
+                                <m:r>
+                                  <a:rPr kumimoji="1" lang="en-US" altLang="ja-DE" sz="1200" b="0" i="1" smtClean="0">
+                                    <a:latin typeface="Cambria Math" panose="02040503050406030204" pitchFamily="18" charset="0"/>
+                                    <a:ea typeface="Cambria Math" panose="02040503050406030204" pitchFamily="18" charset="0"/>
+                                  </a:rPr>
+                                  <m:t>𝑧</m:t>
+                                </m:r>
+                              </m:e>
+                            </m:acc>
+                            <m:d>
+                              <m:dPr>
+                                <m:begChr m:val="|"/>
+                                <m:endChr m:val="|"/>
+                                <m:ctrlPr>
+                                  <a:rPr kumimoji="1" lang="en-US" altLang="ja-DE" sz="1200" b="0" i="1" smtClean="0">
+                                    <a:latin typeface="Cambria Math" panose="02040503050406030204" pitchFamily="18" charset="0"/>
+                                    <a:ea typeface="Cambria Math" panose="02040503050406030204" pitchFamily="18" charset="0"/>
+                                  </a:rPr>
+                                </m:ctrlPr>
+                              </m:dPr>
+                              <m:e>
+                                <m:d>
+                                  <m:dPr>
+                                    <m:begChr m:val="|"/>
+                                    <m:ctrlPr>
+                                      <a:rPr kumimoji="1" lang="en-US" altLang="ja-DE" sz="1200" b="0" i="1" smtClean="0">
+                                        <a:latin typeface="Cambria Math" panose="02040503050406030204" pitchFamily="18" charset="0"/>
+                                        <a:ea typeface="Cambria Math" panose="02040503050406030204" pitchFamily="18" charset="0"/>
+                                      </a:rPr>
+                                    </m:ctrlPr>
+                                  </m:dPr>
+                                  <m:e>
+                                    <m:sSub>
+                                      <m:sSubPr>
+                                        <m:ctrlPr>
+                                          <a:rPr kumimoji="1" lang="en-US" altLang="ja-DE" sz="1200" b="0" i="1" smtClean="0">
+                                            <a:latin typeface="Cambria Math" panose="02040503050406030204" pitchFamily="18" charset="0"/>
+                                            <a:ea typeface="Cambria Math" panose="02040503050406030204" pitchFamily="18" charset="0"/>
+                                          </a:rPr>
+                                        </m:ctrlPr>
+                                      </m:sSubPr>
+                                      <m:e>
+                                        <m:r>
+                                          <a:rPr kumimoji="1" lang="en-US" altLang="ja-DE" sz="1200" b="0" i="1" smtClean="0">
+                                            <a:latin typeface="Cambria Math" panose="02040503050406030204" pitchFamily="18" charset="0"/>
+                                            <a:ea typeface="Cambria Math" panose="02040503050406030204" pitchFamily="18" charset="0"/>
+                                          </a:rPr>
+                                          <m:t>𝑥</m:t>
+                                        </m:r>
+                                      </m:e>
+                                      <m:sub>
+                                        <m:r>
+                                          <a:rPr kumimoji="1" lang="en-US" altLang="ja-DE" sz="1200" b="0" i="1" smtClean="0">
+                                            <a:latin typeface="Cambria Math" panose="02040503050406030204" pitchFamily="18" charset="0"/>
+                                            <a:ea typeface="Cambria Math" panose="02040503050406030204" pitchFamily="18" charset="0"/>
+                                          </a:rPr>
+                                          <m:t>1</m:t>
+                                        </m:r>
+                                      </m:sub>
+                                    </m:sSub>
+                                  </m:e>
+                                </m:d>
+                              </m:e>
+                            </m:d>
+                            <m:r>
+                              <a:rPr kumimoji="1" lang="en-US" altLang="ja-DE" sz="1200" b="0" i="1" smtClean="0">
+                                <a:latin typeface="Cambria Math" panose="02040503050406030204" pitchFamily="18" charset="0"/>
+                                <a:ea typeface="Cambria Math" panose="02040503050406030204" pitchFamily="18" charset="0"/>
+                              </a:rPr>
+                              <m:t>𝑝</m:t>
+                            </m:r>
+                            <m:d>
+                              <m:dPr>
+                                <m:ctrlPr>
+                                  <a:rPr kumimoji="1" lang="en-US" altLang="ja-DE" sz="1200" b="0" i="1" smtClean="0">
+                                    <a:latin typeface="Cambria Math" panose="02040503050406030204" pitchFamily="18" charset="0"/>
+                                    <a:ea typeface="Cambria Math" panose="02040503050406030204" pitchFamily="18" charset="0"/>
+                                  </a:rPr>
+                                </m:ctrlPr>
+                              </m:dPr>
+                              <m:e>
+                                <m:acc>
+                                  <m:accPr>
+                                    <m:chr m:val="̂"/>
+                                    <m:ctrlPr>
+                                      <a:rPr kumimoji="1" lang="en-US" altLang="ja-DE" sz="1200" b="0" i="1" smtClean="0">
+                                        <a:latin typeface="Cambria Math" panose="02040503050406030204" pitchFamily="18" charset="0"/>
+                                        <a:ea typeface="Cambria Math" panose="02040503050406030204" pitchFamily="18" charset="0"/>
+                                      </a:rPr>
+                                    </m:ctrlPr>
+                                  </m:accPr>
+                                  <m:e>
+                                    <m:r>
+                                      <a:rPr kumimoji="1" lang="en-US" altLang="ja-DE" sz="1200" b="0" i="1" smtClean="0">
+                                        <a:latin typeface="Cambria Math" panose="02040503050406030204" pitchFamily="18" charset="0"/>
+                                        <a:ea typeface="Cambria Math" panose="02040503050406030204" pitchFamily="18" charset="0"/>
+                                      </a:rPr>
+                                      <m:t>𝑧</m:t>
+                                    </m:r>
+                                  </m:e>
+                                </m:acc>
+                              </m:e>
+                            </m:d>
+                          </m:e>
+                        </m:d>
+                        <m:r>
+                          <a:rPr kumimoji="1" lang="en-US" altLang="ja-DE" sz="1200" b="0" i="1" smtClean="0">
+                            <a:latin typeface="Cambria Math" panose="02040503050406030204" pitchFamily="18" charset="0"/>
+                            <a:ea typeface="Cambria Math" panose="02040503050406030204" pitchFamily="18" charset="0"/>
+                          </a:rPr>
+                          <m:t>−</m:t>
+                        </m:r>
+                        <m:r>
+                          <a:rPr kumimoji="1" lang="en-US" altLang="ja-DE" sz="1200" b="0" i="1" smtClean="0">
+                            <a:latin typeface="Cambria Math" panose="02040503050406030204" pitchFamily="18" charset="0"/>
+                            <a:ea typeface="Cambria Math" panose="02040503050406030204" pitchFamily="18" charset="0"/>
+                          </a:rPr>
+                          <m:t>𝛽</m:t>
+                        </m:r>
+                        <m:sSub>
+                          <m:sSubPr>
+                            <m:ctrlPr>
+                              <a:rPr kumimoji="1" lang="en-US" altLang="ja-DE" sz="1200" b="0" i="1" smtClean="0">
+                                <a:latin typeface="Cambria Math" panose="02040503050406030204" pitchFamily="18" charset="0"/>
+                                <a:ea typeface="Cambria Math" panose="02040503050406030204" pitchFamily="18" charset="0"/>
+                              </a:rPr>
+                            </m:ctrlPr>
+                          </m:sSubPr>
+                          <m:e>
+                            <m:r>
+                              <a:rPr kumimoji="1" lang="en-US" altLang="ja-DE" sz="1200" b="0" i="1" smtClean="0">
+                                <a:latin typeface="Cambria Math" panose="02040503050406030204" pitchFamily="18" charset="0"/>
+                                <a:ea typeface="Cambria Math" panose="02040503050406030204" pitchFamily="18" charset="0"/>
+                              </a:rPr>
+                              <m:t>𝐷</m:t>
+                            </m:r>
+                          </m:e>
+                          <m:sub>
+                            <m:r>
+                              <a:rPr kumimoji="1" lang="en-US" altLang="ja-DE" sz="1200" b="0" i="1" smtClean="0">
+                                <a:latin typeface="Cambria Math" panose="02040503050406030204" pitchFamily="18" charset="0"/>
+                                <a:ea typeface="Cambria Math" panose="02040503050406030204" pitchFamily="18" charset="0"/>
+                              </a:rPr>
+                              <m:t>𝐾𝐿</m:t>
+                            </m:r>
+                          </m:sub>
+                        </m:sSub>
+                        <m:r>
+                          <a:rPr kumimoji="1" lang="en-US" altLang="ja-DE" sz="1200" b="0" i="1" smtClean="0">
+                            <a:latin typeface="Cambria Math" panose="02040503050406030204" pitchFamily="18" charset="0"/>
+                            <a:ea typeface="Cambria Math" panose="02040503050406030204" pitchFamily="18" charset="0"/>
+                          </a:rPr>
+                          <m:t>(</m:t>
+                        </m:r>
+                        <m:sSub>
+                          <m:sSubPr>
+                            <m:ctrlPr>
+                              <a:rPr kumimoji="1" lang="en-US" altLang="ja-DE" sz="1200" b="0" i="1" smtClean="0">
+                                <a:latin typeface="Cambria Math" panose="02040503050406030204" pitchFamily="18" charset="0"/>
+                                <a:ea typeface="Cambria Math" panose="02040503050406030204" pitchFamily="18" charset="0"/>
+                              </a:rPr>
+                            </m:ctrlPr>
+                          </m:sSubPr>
+                          <m:e>
+                            <m:acc>
+                              <m:accPr>
+                                <m:chr m:val="̃"/>
+                                <m:ctrlPr>
+                                  <a:rPr kumimoji="1" lang="en-US" altLang="ja-DE" sz="1200" b="0" i="1" smtClean="0">
+                                    <a:latin typeface="Cambria Math" panose="02040503050406030204" pitchFamily="18" charset="0"/>
+                                    <a:ea typeface="Cambria Math" panose="02040503050406030204" pitchFamily="18" charset="0"/>
+                                  </a:rPr>
+                                </m:ctrlPr>
+                              </m:accPr>
+                              <m:e>
+                                <m:r>
+                                  <a:rPr kumimoji="1" lang="en-US" altLang="ja-DE" sz="1200" b="0" i="1" smtClean="0">
+                                    <a:latin typeface="Cambria Math" panose="02040503050406030204" pitchFamily="18" charset="0"/>
+                                    <a:ea typeface="Cambria Math" panose="02040503050406030204" pitchFamily="18" charset="0"/>
+                                  </a:rPr>
+                                  <m:t>𝑞</m:t>
+                                </m:r>
+                              </m:e>
+                            </m:acc>
+                          </m:e>
+                          <m:sub>
+                            <m:r>
+                              <a:rPr kumimoji="1" lang="en-US" altLang="ja-DE" sz="1200" b="0" i="1" smtClean="0">
+                                <a:latin typeface="Cambria Math" panose="02040503050406030204" pitchFamily="18" charset="0"/>
+                                <a:ea typeface="Cambria Math" panose="02040503050406030204" pitchFamily="18" charset="0"/>
+                              </a:rPr>
+                              <m:t>𝜙</m:t>
+                            </m:r>
+                          </m:sub>
+                        </m:sSub>
+                        <m:r>
+                          <a:rPr kumimoji="1" lang="en-US" altLang="ja-DE" sz="1200" b="0" i="1" smtClean="0">
+                            <a:latin typeface="Cambria Math" panose="02040503050406030204" pitchFamily="18" charset="0"/>
+                            <a:ea typeface="Cambria Math" panose="02040503050406030204" pitchFamily="18" charset="0"/>
+                          </a:rPr>
+                          <m:t>(</m:t>
+                        </m:r>
+                        <m:acc>
+                          <m:accPr>
+                            <m:chr m:val="̂"/>
+                            <m:ctrlPr>
+                              <a:rPr kumimoji="1" lang="en-US" altLang="ja-DE" sz="1200" b="0" i="1" smtClean="0">
+                                <a:latin typeface="Cambria Math" panose="02040503050406030204" pitchFamily="18" charset="0"/>
+                                <a:ea typeface="Cambria Math" panose="02040503050406030204" pitchFamily="18" charset="0"/>
+                              </a:rPr>
+                            </m:ctrlPr>
+                          </m:accPr>
+                          <m:e>
+                            <m:r>
+                              <a:rPr kumimoji="1" lang="en-US" altLang="ja-DE" sz="1200" b="0" i="1" smtClean="0">
+                                <a:latin typeface="Cambria Math" panose="02040503050406030204" pitchFamily="18" charset="0"/>
+                                <a:ea typeface="Cambria Math" panose="02040503050406030204" pitchFamily="18" charset="0"/>
+                              </a:rPr>
+                              <m:t>𝑧</m:t>
+                            </m:r>
+                          </m:e>
+                        </m:acc>
+                        <m:r>
+                          <a:rPr kumimoji="1" lang="en-US" altLang="ja-DE" sz="1200" b="0" i="1" smtClean="0">
+                            <a:latin typeface="Cambria Math" panose="02040503050406030204" pitchFamily="18" charset="0"/>
+                            <a:ea typeface="Cambria Math" panose="02040503050406030204" pitchFamily="18" charset="0"/>
+                          </a:rPr>
+                          <m:t>|</m:t>
+                        </m:r>
+                        <m:d>
+                          <m:dPr>
+                            <m:begChr m:val="|"/>
+                            <m:ctrlPr>
+                              <a:rPr kumimoji="1" lang="en-US" altLang="ja-DE" sz="1200" b="0" i="1" smtClean="0">
+                                <a:latin typeface="Cambria Math" panose="02040503050406030204" pitchFamily="18" charset="0"/>
+                                <a:ea typeface="Cambria Math" panose="02040503050406030204" pitchFamily="18" charset="0"/>
+                              </a:rPr>
+                            </m:ctrlPr>
+                          </m:dPr>
+                          <m:e>
+                            <m:sSub>
+                              <m:sSubPr>
+                                <m:ctrlPr>
+                                  <a:rPr kumimoji="1" lang="en-US" altLang="ja-DE" sz="1200" b="0" i="1" smtClean="0">
+                                    <a:latin typeface="Cambria Math" panose="02040503050406030204" pitchFamily="18" charset="0"/>
+                                    <a:ea typeface="Cambria Math" panose="02040503050406030204" pitchFamily="18" charset="0"/>
+                                  </a:rPr>
+                                </m:ctrlPr>
+                              </m:sSubPr>
+                              <m:e>
+                                <m:r>
+                                  <a:rPr kumimoji="1" lang="en-US" altLang="ja-DE" sz="1200" b="0" i="1" smtClean="0">
+                                    <a:latin typeface="Cambria Math" panose="02040503050406030204" pitchFamily="18" charset="0"/>
+                                    <a:ea typeface="Cambria Math" panose="02040503050406030204" pitchFamily="18" charset="0"/>
+                                  </a:rPr>
+                                  <m:t>𝑥</m:t>
+                                </m:r>
+                              </m:e>
+                              <m:sub>
+                                <m:r>
+                                  <a:rPr kumimoji="1" lang="en-US" altLang="ja-DE" sz="1200" b="0" i="1" smtClean="0">
+                                    <a:latin typeface="Cambria Math" panose="02040503050406030204" pitchFamily="18" charset="0"/>
+                                    <a:ea typeface="Cambria Math" panose="02040503050406030204" pitchFamily="18" charset="0"/>
+                                  </a:rPr>
+                                  <m:t>2</m:t>
+                                </m:r>
+                              </m:sub>
+                            </m:sSub>
+                          </m:e>
+                        </m:d>
+                        <m:r>
+                          <a:rPr kumimoji="1" lang="en-US" altLang="ja-DE" sz="1200" b="0" i="1" smtClean="0">
+                            <a:latin typeface="Cambria Math" panose="02040503050406030204" pitchFamily="18" charset="0"/>
+                            <a:ea typeface="Cambria Math" panose="02040503050406030204" pitchFamily="18" charset="0"/>
+                          </a:rPr>
+                          <m:t>|</m:t>
+                        </m:r>
+                        <m:r>
+                          <a:rPr kumimoji="1" lang="en-US" altLang="ja-DE" sz="1200" b="0" i="1" smtClean="0">
+                            <a:latin typeface="Cambria Math" panose="02040503050406030204" pitchFamily="18" charset="0"/>
+                            <a:ea typeface="Cambria Math" panose="02040503050406030204" pitchFamily="18" charset="0"/>
+                          </a:rPr>
+                          <m:t>𝑝</m:t>
+                        </m:r>
+                        <m:r>
+                          <a:rPr kumimoji="1" lang="en-US" altLang="ja-DE" sz="1200" b="0" i="1" smtClean="0">
+                            <a:latin typeface="Cambria Math" panose="02040503050406030204" pitchFamily="18" charset="0"/>
+                            <a:ea typeface="Cambria Math" panose="02040503050406030204" pitchFamily="18" charset="0"/>
+                          </a:rPr>
+                          <m:t>(</m:t>
+                        </m:r>
+                        <m:acc>
+                          <m:accPr>
+                            <m:chr m:val="̂"/>
+                            <m:ctrlPr>
+                              <a:rPr kumimoji="1" lang="en-US" altLang="ja-DE" sz="1200" b="0" i="1" smtClean="0">
+                                <a:latin typeface="Cambria Math" panose="02040503050406030204" pitchFamily="18" charset="0"/>
+                                <a:ea typeface="Cambria Math" panose="02040503050406030204" pitchFamily="18" charset="0"/>
+                              </a:rPr>
+                            </m:ctrlPr>
+                          </m:accPr>
+                          <m:e>
+                            <m:r>
+                              <a:rPr kumimoji="1" lang="en-US" altLang="ja-DE" sz="1200" b="0" i="1" smtClean="0">
+                                <a:latin typeface="Cambria Math" panose="02040503050406030204" pitchFamily="18" charset="0"/>
+                                <a:ea typeface="Cambria Math" panose="02040503050406030204" pitchFamily="18" charset="0"/>
+                              </a:rPr>
+                              <m:t>𝑧</m:t>
+                            </m:r>
+                          </m:e>
+                        </m:acc>
+                        <m:r>
+                          <a:rPr kumimoji="1" lang="en-US" altLang="ja-DE" sz="1200" b="0" i="1" smtClean="0">
+                            <a:latin typeface="Cambria Math" panose="02040503050406030204" pitchFamily="18" charset="0"/>
+                            <a:ea typeface="Cambria Math" panose="02040503050406030204" pitchFamily="18" charset="0"/>
+                          </a:rPr>
+                          <m:t>))</m:t>
+                        </m:r>
+                      </m:e>
+                    </m:func>
                   </m:oMath>
                 </a14:m>
                 <a:r>
                   <a:rPr kumimoji="1" lang="ja-DE" altLang="en-US" sz="1200" dirty="0"/>
-                  <a:t>を生成するため教師なしでの分離は不可能であるという証明を行った。その上で適切な帰納バイアスの存在によって</a:t>
-                </a:r>
-                <a:r>
-                  <a:rPr kumimoji="1" lang="en-US" altLang="ja-DE" sz="1200" dirty="0" err="1"/>
-                  <a:t>disentaglement</a:t>
-                </a:r>
-                <a:r>
-                  <a:rPr kumimoji="1" lang="ja-DE" altLang="en-US" sz="1200" dirty="0"/>
-                  <a:t>ができる可能性があると述べている。</a:t>
+                  <a:t>を最大化する</a:t>
                 </a:r>
               </a:p>
             </p:txBody>
           </p:sp>
         </mc:Choice>
-        <mc:Fallback xmlns="">
+        <mc:Fallback>
           <p:sp>
             <p:nvSpPr>
               <p:cNvPr id="14" name="テキスト ボックス 13">
@@ -4247,7 +5459,7 @@
             <p:spPr>
               <a:xfrm>
                 <a:off x="550982" y="5417065"/>
-                <a:ext cx="3856893" cy="1200329"/>
+                <a:ext cx="3856893" cy="1504707"/>
               </a:xfrm>
               <a:prstGeom prst="rect">
                 <a:avLst/>
@@ -4255,7 +5467,7 @@
               <a:blipFill>
                 <a:blip r:embed="rId2"/>
                 <a:stretch>
-                  <a:fillRect b="-2105"/>
+                  <a:fillRect r="-96066" b="-1681"/>
                 </a:stretch>
               </a:blipFill>
             </p:spPr>
@@ -4288,8 +5500,8 @@
         </p:nvSpPr>
         <p:spPr>
           <a:xfrm>
-            <a:off x="6135077" y="2573049"/>
-            <a:ext cx="3856893" cy="1015663"/>
+            <a:off x="6205411" y="2573049"/>
+            <a:ext cx="3856895" cy="646331"/>
           </a:xfrm>
           <a:prstGeom prst="rect">
             <a:avLst/>
@@ -4303,12 +5515,24 @@
           <a:lstStyle/>
           <a:p>
             <a:r>
+              <a:rPr kumimoji="1" lang="ja-DE" altLang="en-US" sz="1200" dirty="0"/>
+              <a:t>真の因子が入手できる</a:t>
+            </a:r>
+            <a:r>
               <a:rPr kumimoji="1" lang="en-US" altLang="ja-DE" sz="1200" dirty="0"/>
-              <a:t>VAE</a:t>
+              <a:t>5</a:t>
             </a:r>
             <a:r>
               <a:rPr kumimoji="1" lang="ja-DE" altLang="en-US" sz="1200" dirty="0"/>
-              <a:t>ベースの</a:t>
+              <a:t>つのデータセットを用いて検証。</a:t>
+            </a:r>
+            <a:r>
+              <a:rPr kumimoji="1" lang="en-US" altLang="ja-DE" sz="1200" dirty="0"/>
+              <a:t>5</a:t>
+            </a:r>
+            <a:r>
+              <a:rPr kumimoji="1" lang="ja-DE" altLang="en-US" sz="1200" dirty="0"/>
+              <a:t>つのモデルの様々なハイパラ設定と比較している。</a:t>
             </a:r>
             <a:r>
               <a:rPr kumimoji="1" lang="en-US" altLang="ja-DE" sz="1200" dirty="0"/>
@@ -4316,31 +5540,7 @@
             </a:r>
             <a:r>
               <a:rPr kumimoji="1" lang="ja-DE" altLang="en-US" sz="1200" dirty="0"/>
-              <a:t>つのモデル、</a:t>
-            </a:r>
-            <a:r>
-              <a:rPr kumimoji="1" lang="en-US" altLang="ja-DE" sz="1200" dirty="0"/>
-              <a:t>6</a:t>
-            </a:r>
-            <a:r>
-              <a:rPr kumimoji="1" lang="ja-DE" altLang="en-US" sz="1200" dirty="0"/>
-              <a:t>つの評価指標、</a:t>
-            </a:r>
-            <a:r>
-              <a:rPr kumimoji="1" lang="en-US" altLang="ja-DE" sz="1200" dirty="0"/>
-              <a:t>6</a:t>
-            </a:r>
-            <a:r>
-              <a:rPr kumimoji="1" lang="ja-DE" altLang="en-US" sz="1200" dirty="0"/>
-              <a:t>つのデータセットを用いて</a:t>
-            </a:r>
-            <a:r>
-              <a:rPr kumimoji="1" lang="en-US" altLang="ja-DE" sz="1200" dirty="0"/>
-              <a:t>12000</a:t>
-            </a:r>
-            <a:r>
-              <a:rPr kumimoji="1" lang="ja-DE" altLang="en-US" sz="1200" dirty="0"/>
-              <a:t>以上のモデルを構築して検証。潜在変数の次元間の相関、モデルのハイパラへの依存の強さやその選択法、後流のタスクでの有用性などを検証している。</a:t>
+              <a:t>つの評価指標と比較している。</a:t>
             </a:r>
           </a:p>
         </p:txBody>
@@ -4359,7 +5559,94 @@
         </p:nvSpPr>
         <p:spPr>
           <a:xfrm>
-            <a:off x="6205414" y="4041224"/>
+            <a:off x="6205411" y="3836335"/>
+            <a:ext cx="3856893" cy="1200329"/>
+          </a:xfrm>
+          <a:prstGeom prst="rect">
+            <a:avLst/>
+          </a:prstGeom>
+          <a:noFill/>
+        </p:spPr>
+        <p:txBody>
+          <a:bodyPr wrap="square" rtlCol="0">
+            <a:spAutoFit/>
+          </a:bodyPr>
+          <a:lstStyle/>
+          <a:p>
+            <a:r>
+              <a:rPr kumimoji="1" lang="en-US" altLang="ja-DE" sz="1200" dirty="0"/>
+              <a:t>Weak-supervision</a:t>
+            </a:r>
+            <a:r>
+              <a:rPr kumimoji="1" lang="ja-DE" altLang="en-US" sz="1200" dirty="0"/>
+              <a:t>があれば</a:t>
+            </a:r>
+            <a:r>
+              <a:rPr kumimoji="1" lang="en-US" altLang="ja-DE" sz="1200" dirty="0"/>
+              <a:t>unsupervised</a:t>
+            </a:r>
+            <a:r>
+              <a:rPr kumimoji="1" lang="ja-DE" altLang="en-US" sz="1200" dirty="0"/>
+              <a:t>なものと比べていい結果が出る。変化があった要素が少ない方が</a:t>
+            </a:r>
+            <a:r>
+              <a:rPr kumimoji="1" lang="en-US" altLang="ja-DE" sz="1200" dirty="0"/>
+              <a:t>Disentangle</a:t>
+            </a:r>
+            <a:r>
+              <a:rPr kumimoji="1" lang="ja-DE" altLang="en-US" sz="1200" dirty="0"/>
+              <a:t>されやすく、要素の個数を与えた方が良い。</a:t>
+            </a:r>
+            <a:r>
+              <a:rPr kumimoji="1" lang="en-US" altLang="ja-DE" sz="1200" dirty="0"/>
+              <a:t>Covariate shift</a:t>
+            </a:r>
+            <a:r>
+              <a:rPr kumimoji="1" lang="ja-DE" altLang="en-US" sz="1200" dirty="0"/>
+              <a:t>に効くことや、</a:t>
+            </a:r>
+            <a:r>
+              <a:rPr kumimoji="1" lang="en-US" altLang="ja-DE" sz="1200" dirty="0"/>
+              <a:t>abstract reasoning</a:t>
+            </a:r>
+            <a:r>
+              <a:rPr kumimoji="1" lang="ja-DE" altLang="en-US" sz="1200" dirty="0"/>
+              <a:t>で</a:t>
+            </a:r>
+            <a:r>
+              <a:rPr kumimoji="1" lang="en-US" altLang="ja-DE" sz="1200" dirty="0"/>
+              <a:t>s</a:t>
+            </a:r>
+            <a:r>
+              <a:rPr kumimoji="1" lang="en-US" altLang="ja-JP" sz="1200" dirty="0"/>
+              <a:t>ample efficiency</a:t>
+            </a:r>
+            <a:r>
+              <a:rPr kumimoji="1" lang="ja-JP" altLang="en-US" sz="1200"/>
+              <a:t>を</a:t>
+            </a:r>
+            <a:r>
+              <a:rPr kumimoji="1" lang="ja-DE" altLang="en-US" sz="1200" dirty="0"/>
+              <a:t>減らすことを確認。今後は実用性に目を向ける</a:t>
+            </a:r>
+          </a:p>
+        </p:txBody>
+      </p:sp>
+      <p:sp>
+        <p:nvSpPr>
+          <p:cNvPr id="17" name="テキスト ボックス 16">
+            <a:extLst>
+              <a:ext uri="{FF2B5EF4-FFF2-40B4-BE49-F238E27FC236}">
+                <a16:creationId xmlns:a16="http://schemas.microsoft.com/office/drawing/2014/main" id="{74AE5739-0CA3-F543-91DD-E4D19F8D9229}"/>
+              </a:ext>
+            </a:extLst>
+          </p:cNvPr>
+          <p:cNvSpPr txBox="1"/>
+          <p:nvPr/>
+        </p:nvSpPr>
+        <p:spPr>
+          <a:xfrm>
+            <a:off x="6279661" y="5454077"/>
             <a:ext cx="3856893" cy="830997"/>
           </a:xfrm>
           <a:prstGeom prst="rect">
@@ -4374,26 +5661,91 @@
           <a:lstStyle/>
           <a:p>
             <a:r>
-              <a:rPr kumimoji="1" lang="ja-DE" altLang="en-US" sz="1200" dirty="0"/>
-              <a:t>現在の</a:t>
-            </a:r>
-            <a:r>
-              <a:rPr kumimoji="1" lang="en-US" altLang="ja-DE" sz="1200" dirty="0"/>
-              <a:t>mainstream</a:t>
-            </a:r>
-            <a:r>
-              <a:rPr kumimoji="1" lang="ja-DE" altLang="en-US" sz="1200" dirty="0"/>
-              <a:t>の手法は全てハイパラへの依存が高く、教師情報を使わない限りモデル選択はできないこと、後流のタスクでのサンプル効率向上は見られないことなどを指摘している。</a:t>
-            </a:r>
-          </a:p>
-        </p:txBody>
-      </p:sp>
-      <p:sp>
-        <p:nvSpPr>
-          <p:cNvPr id="17" name="テキスト ボックス 16">
-            <a:extLst>
-              <a:ext uri="{FF2B5EF4-FFF2-40B4-BE49-F238E27FC236}">
-                <a16:creationId xmlns:a16="http://schemas.microsoft.com/office/drawing/2014/main" id="{74AE5739-0CA3-F543-91DD-E4D19F8D9229}"/>
+              <a:rPr lang="en" altLang="ja-DE" sz="1200" dirty="0">
+                <a:latin typeface="Yu Gothic" panose="020B0400000000000000" pitchFamily="34" charset="-128"/>
+                <a:ea typeface="Yu Gothic" panose="020B0400000000000000" pitchFamily="34" charset="-128"/>
+              </a:rPr>
+              <a:t>van </a:t>
+            </a:r>
+            <a:r>
+              <a:rPr lang="en" altLang="ja-DE" sz="1200" dirty="0" err="1">
+                <a:latin typeface="Yu Gothic" panose="020B0400000000000000" pitchFamily="34" charset="-128"/>
+                <a:ea typeface="Yu Gothic" panose="020B0400000000000000" pitchFamily="34" charset="-128"/>
+              </a:rPr>
+              <a:t>Steenkiste</a:t>
+            </a:r>
+            <a:r>
+              <a:rPr lang="en" altLang="ja-DE" sz="1200" dirty="0">
+                <a:latin typeface="Yu Gothic" panose="020B0400000000000000" pitchFamily="34" charset="-128"/>
+                <a:ea typeface="Yu Gothic" panose="020B0400000000000000" pitchFamily="34" charset="-128"/>
+              </a:rPr>
+              <a:t>, S., </a:t>
+            </a:r>
+            <a:r>
+              <a:rPr lang="en" altLang="ja-DE" sz="1200" dirty="0" err="1">
+                <a:latin typeface="Yu Gothic" panose="020B0400000000000000" pitchFamily="34" charset="-128"/>
+                <a:ea typeface="Yu Gothic" panose="020B0400000000000000" pitchFamily="34" charset="-128"/>
+              </a:rPr>
+              <a:t>Locatello</a:t>
+            </a:r>
+            <a:r>
+              <a:rPr lang="en" altLang="ja-DE" sz="1200" dirty="0">
+                <a:latin typeface="Yu Gothic" panose="020B0400000000000000" pitchFamily="34" charset="-128"/>
+                <a:ea typeface="Yu Gothic" panose="020B0400000000000000" pitchFamily="34" charset="-128"/>
+              </a:rPr>
+              <a:t>, F., </a:t>
+            </a:r>
+            <a:r>
+              <a:rPr lang="en" altLang="ja-DE" sz="1200" dirty="0" err="1">
+                <a:latin typeface="Yu Gothic" panose="020B0400000000000000" pitchFamily="34" charset="-128"/>
+                <a:ea typeface="Yu Gothic" panose="020B0400000000000000" pitchFamily="34" charset="-128"/>
+              </a:rPr>
+              <a:t>Schmidhuber</a:t>
+            </a:r>
+            <a:r>
+              <a:rPr lang="en" altLang="ja-DE" sz="1200" dirty="0">
+                <a:latin typeface="Yu Gothic" panose="020B0400000000000000" pitchFamily="34" charset="-128"/>
+                <a:ea typeface="Yu Gothic" panose="020B0400000000000000" pitchFamily="34" charset="-128"/>
+              </a:rPr>
+              <a:t>, J., and </a:t>
+            </a:r>
+            <a:r>
+              <a:rPr lang="en" altLang="ja-DE" sz="1200" dirty="0" err="1">
+                <a:latin typeface="Yu Gothic" panose="020B0400000000000000" pitchFamily="34" charset="-128"/>
+                <a:ea typeface="Yu Gothic" panose="020B0400000000000000" pitchFamily="34" charset="-128"/>
+              </a:rPr>
+              <a:t>Bachem</a:t>
+            </a:r>
+            <a:r>
+              <a:rPr lang="en" altLang="ja-DE" sz="1200" dirty="0">
+                <a:latin typeface="Yu Gothic" panose="020B0400000000000000" pitchFamily="34" charset="-128"/>
+                <a:ea typeface="Yu Gothic" panose="020B0400000000000000" pitchFamily="34" charset="-128"/>
+              </a:rPr>
+              <a:t>, O. Are disentangled representations helpful for abstract visual reasoning? In </a:t>
+            </a:r>
+            <a:r>
+              <a:rPr lang="en" altLang="ja-DE" sz="1200" i="1" dirty="0">
+                <a:latin typeface="Yu Gothic" panose="020B0400000000000000" pitchFamily="34" charset="-128"/>
+                <a:ea typeface="Yu Gothic" panose="020B0400000000000000" pitchFamily="34" charset="-128"/>
+              </a:rPr>
+              <a:t>Advances in Neural Information Processing Systems</a:t>
+            </a:r>
+            <a:r>
+              <a:rPr lang="en" altLang="ja-DE" sz="1200" dirty="0">
+                <a:latin typeface="Yu Gothic" panose="020B0400000000000000" pitchFamily="34" charset="-128"/>
+                <a:ea typeface="Yu Gothic" panose="020B0400000000000000" pitchFamily="34" charset="-128"/>
+              </a:rPr>
+              <a:t>, 2019. </a:t>
+            </a:r>
+          </a:p>
+        </p:txBody>
+      </p:sp>
+      <p:sp>
+        <p:nvSpPr>
+          <p:cNvPr id="18" name="テキスト ボックス 17">
+            <a:extLst>
+              <a:ext uri="{FF2B5EF4-FFF2-40B4-BE49-F238E27FC236}">
+                <a16:creationId xmlns:a16="http://schemas.microsoft.com/office/drawing/2014/main" id="{122BB24D-01CE-8446-9CBE-1BD694EA30B2}"/>
               </a:ext>
             </a:extLst>
           </p:cNvPr>
@@ -4402,7 +5754,7 @@
         </p:nvSpPr>
         <p:spPr>
           <a:xfrm>
-            <a:off x="6279661" y="5454077"/>
+            <a:off x="550981" y="2467049"/>
             <a:ext cx="3856893" cy="1200329"/>
           </a:xfrm>
           <a:prstGeom prst="rect">
@@ -4418,80 +5770,48 @@
           <a:p>
             <a:r>
               <a:rPr kumimoji="1" lang="ja-DE" altLang="en-US" sz="1200" dirty="0"/>
-              <a:t>同じ著者による新作で、弱教師を用いた</a:t>
+              <a:t>潜在因子がいくつ変化したかを知っていればどの因子が変化したかが分からなくても</a:t>
             </a:r>
             <a:r>
               <a:rPr kumimoji="1" lang="en-US" altLang="ja-DE" sz="1200" dirty="0"/>
-              <a:t>disentanglement</a:t>
+              <a:t>Disentangle</a:t>
             </a:r>
             <a:r>
               <a:rPr kumimoji="1" lang="ja-DE" altLang="en-US" sz="1200" dirty="0"/>
-              <a:t>を提案している論文</a:t>
+              <a:t>できることを理論的に示し、共通の要素を含む画像のペアから</a:t>
             </a:r>
             <a:r>
               <a:rPr kumimoji="1" lang="en-US" altLang="ja-DE" sz="1200" dirty="0"/>
-              <a:t>:</a:t>
-            </a:r>
-          </a:p>
-          <a:p>
+              <a:t>Disentangle</a:t>
+            </a:r>
+            <a:r>
+              <a:rPr kumimoji="1" lang="ja-DE" altLang="en-US" sz="1200" dirty="0"/>
+              <a:t>を行うアルゴリズムを提案。様々なデータセットで検証している。また、</a:t>
+            </a:r>
             <a:r>
               <a:rPr kumimoji="1" lang="en-US" altLang="ja-DE" sz="1200" dirty="0"/>
-              <a:t>Weakly-Supervised Disentanglement Without Compromises</a:t>
-            </a:r>
-          </a:p>
-          <a:p>
+              <a:t>Disentangle</a:t>
+            </a:r>
+            <a:r>
+              <a:rPr kumimoji="1" lang="ja-DE" altLang="en-US" sz="1200" dirty="0"/>
+              <a:t>された表現が複数の</a:t>
+            </a:r>
             <a:r>
               <a:rPr kumimoji="1" lang="en-US" altLang="ja-DE" sz="1200" dirty="0"/>
-              <a:t>Francesco </a:t>
-            </a:r>
-            <a:r>
-              <a:rPr kumimoji="1" lang="en-US" altLang="ja-DE" sz="1200" dirty="0" err="1"/>
-              <a:t>Locatello</a:t>
-            </a:r>
-            <a:r>
-              <a:rPr kumimoji="1" lang="en-US" altLang="ja-DE" sz="1200" dirty="0"/>
-              <a:t>, Ben Poole, Gunnar </a:t>
-            </a:r>
-            <a:r>
-              <a:rPr kumimoji="1" lang="en-US" altLang="ja-DE" sz="1200" dirty="0" err="1"/>
-              <a:t>Rätsch</a:t>
-            </a:r>
-            <a:r>
-              <a:rPr kumimoji="1" lang="en-US" altLang="ja-DE" sz="1200" dirty="0"/>
-              <a:t>, Bernhard </a:t>
-            </a:r>
-            <a:r>
-              <a:rPr kumimoji="1" lang="en-US" altLang="ja-DE" sz="1200" dirty="0" err="1"/>
-              <a:t>Schölkopf</a:t>
-            </a:r>
-            <a:r>
-              <a:rPr kumimoji="1" lang="en-US" altLang="ja-DE" sz="1200" dirty="0"/>
-              <a:t>, Olivier </a:t>
-            </a:r>
-            <a:r>
-              <a:rPr kumimoji="1" lang="en-US" altLang="ja-DE" sz="1200" dirty="0" err="1"/>
-              <a:t>Bachem</a:t>
-            </a:r>
-            <a:r>
-              <a:rPr kumimoji="1" lang="en-US" altLang="ja-DE" sz="1200" dirty="0"/>
-              <a:t>, Michael </a:t>
-            </a:r>
-            <a:r>
-              <a:rPr kumimoji="1" lang="en-US" altLang="ja-DE" sz="1200" dirty="0" err="1"/>
-              <a:t>Tschannen</a:t>
-            </a:r>
-            <a:r>
-              <a:rPr kumimoji="1" lang="en-US" altLang="ja-DE" sz="1200" dirty="0"/>
-              <a:t>, ICML2020</a:t>
-            </a:r>
-            <a:endParaRPr kumimoji="1" lang="ja-DE" altLang="en-US" sz="1200" dirty="0"/>
+              <a:t>open problems</a:t>
+            </a:r>
+            <a:r>
+              <a:rPr kumimoji="1" lang="ja-DE" altLang="en-US" sz="1200" dirty="0"/>
+              <a:t>に役立つことも示している。</a:t>
+            </a:r>
+            <a:endParaRPr kumimoji="1" lang="en-US" altLang="ja-DE" sz="1200" dirty="0"/>
           </a:p>
         </p:txBody>
       </p:sp>
     </p:spTree>
     <p:extLst>
       <p:ext uri="{BB962C8B-B14F-4D97-AF65-F5344CB8AC3E}">
-        <p14:creationId xmlns:p14="http://schemas.microsoft.com/office/powerpoint/2010/main" val="686094855"/>
+        <p14:creationId xmlns:p14="http://schemas.microsoft.com/office/powerpoint/2010/main" val="216993985"/>
       </p:ext>
     </p:extLst>
   </p:cSld>
